--- a/RCC_2019_CDD.pptx
+++ b/RCC_2019_CDD.pptx
@@ -6,31 +6,35 @@
     <p:sldMasterId id="2147483690" r:id="rId2"/>
   </p:sldMasterIdLst>
   <p:notesMasterIdLst>
-    <p:notesMasterId r:id="rId25"/>
+    <p:notesMasterId r:id="rId29"/>
   </p:notesMasterIdLst>
   <p:sldIdLst>
     <p:sldId id="256" r:id="rId3"/>
-    <p:sldId id="257" r:id="rId4"/>
-    <p:sldId id="270" r:id="rId5"/>
-    <p:sldId id="274" r:id="rId6"/>
-    <p:sldId id="275" r:id="rId7"/>
-    <p:sldId id="271" r:id="rId8"/>
-    <p:sldId id="272" r:id="rId9"/>
-    <p:sldId id="273" r:id="rId10"/>
-    <p:sldId id="264" r:id="rId11"/>
-    <p:sldId id="263" r:id="rId12"/>
-    <p:sldId id="262" r:id="rId13"/>
-    <p:sldId id="261" r:id="rId14"/>
-    <p:sldId id="259" r:id="rId15"/>
-    <p:sldId id="260" r:id="rId16"/>
-    <p:sldId id="258" r:id="rId17"/>
-    <p:sldId id="265" r:id="rId18"/>
-    <p:sldId id="266" r:id="rId19"/>
-    <p:sldId id="267" r:id="rId20"/>
-    <p:sldId id="277" r:id="rId21"/>
-    <p:sldId id="268" r:id="rId22"/>
-    <p:sldId id="269" r:id="rId23"/>
-    <p:sldId id="276" r:id="rId24"/>
+    <p:sldId id="280" r:id="rId4"/>
+    <p:sldId id="279" r:id="rId5"/>
+    <p:sldId id="278" r:id="rId6"/>
+    <p:sldId id="257" r:id="rId7"/>
+    <p:sldId id="270" r:id="rId8"/>
+    <p:sldId id="274" r:id="rId9"/>
+    <p:sldId id="275" r:id="rId10"/>
+    <p:sldId id="271" r:id="rId11"/>
+    <p:sldId id="272" r:id="rId12"/>
+    <p:sldId id="273" r:id="rId13"/>
+    <p:sldId id="264" r:id="rId14"/>
+    <p:sldId id="263" r:id="rId15"/>
+    <p:sldId id="262" r:id="rId16"/>
+    <p:sldId id="261" r:id="rId17"/>
+    <p:sldId id="259" r:id="rId18"/>
+    <p:sldId id="260" r:id="rId19"/>
+    <p:sldId id="258" r:id="rId20"/>
+    <p:sldId id="265" r:id="rId21"/>
+    <p:sldId id="266" r:id="rId22"/>
+    <p:sldId id="267" r:id="rId23"/>
+    <p:sldId id="277" r:id="rId24"/>
+    <p:sldId id="268" r:id="rId25"/>
+    <p:sldId id="269" r:id="rId26"/>
+    <p:sldId id="276" r:id="rId27"/>
+    <p:sldId id="281" r:id="rId28"/>
   </p:sldIdLst>
   <p:sldSz cx="12192000" cy="6858000"/>
   <p:notesSz cx="6858000" cy="9144000"/>
@@ -8391,14 +8395,6 @@
 <file path=ppt/slides/slide10.xml><?xml version="1.0" encoding="utf-8"?>
 <p:sld xmlns:a="http://schemas.openxmlformats.org/drawingml/2006/main" xmlns:r="http://schemas.openxmlformats.org/officeDocument/2006/relationships" xmlns:p="http://schemas.openxmlformats.org/presentationml/2006/main">
   <p:cSld>
-    <p:bg>
-      <p:bgPr>
-        <a:solidFill>
-          <a:schemeClr val="bg1"/>
-        </a:solidFill>
-        <a:effectLst/>
-      </p:bgPr>
-    </p:bg>
     <p:spTree>
       <p:nvGrpSpPr>
         <p:cNvPr id="1" name=""/>
@@ -8413,48 +8409,117 @@
           <a:chExt cx="0" cy="0"/>
         </a:xfrm>
       </p:grpSpPr>
-      <p:pic>
-        <p:nvPicPr>
-          <p:cNvPr id="5" name="Content Placeholder 4" descr="A screenshot of a cell phone&#10;&#10;Description automatically generated">
+      <p:sp>
+        <p:nvSpPr>
+          <p:cNvPr id="2" name="Title 1">
             <a:extLst>
               <a:ext uri="{FF2B5EF4-FFF2-40B4-BE49-F238E27FC236}">
-                <a16:creationId xmlns:a16="http://schemas.microsoft.com/office/drawing/2014/main" id="{9BE5A7E0-4D57-428E-8D39-2ADA851FA854}"/>
+                <a16:creationId xmlns:a16="http://schemas.microsoft.com/office/drawing/2014/main" id="{4983B95B-97AB-4916-944C-80B2F5586495}"/>
               </a:ext>
             </a:extLst>
           </p:cNvPr>
-          <p:cNvPicPr>
-            <a:picLocks noGrp="1" noChangeAspect="1"/>
-          </p:cNvPicPr>
-          <p:nvPr>
-            <p:ph idx="1"/>
-          </p:nvPr>
-        </p:nvPicPr>
-        <p:blipFill>
-          <a:blip r:embed="rId2">
+          <p:cNvSpPr>
+            <a:spLocks noGrp="1"/>
+          </p:cNvSpPr>
+          <p:nvPr>
+            <p:ph type="title"/>
+          </p:nvPr>
+        </p:nvSpPr>
+        <p:spPr>
+          <a:xfrm>
+            <a:off x="913795" y="1047750"/>
+            <a:ext cx="10353762" cy="970450"/>
+          </a:xfrm>
+        </p:spPr>
+        <p:txBody>
+          <a:bodyPr>
+            <a:normAutofit fontScale="90000"/>
+          </a:bodyPr>
+          <a:lstStyle/>
+          <a:p>
+            <a:r>
+              <a:rPr lang="en-US" dirty="0"/>
+              <a:t>BEFORE YOU START – </a:t>
+            </a:r>
+            <a:br>
+              <a:rPr lang="en-US" dirty="0"/>
+            </a:br>
+            <a:r>
+              <a:rPr lang="en-US" sz="6000" b="1" u="sng" dirty="0"/>
+              <a:t>AKA THIS IS AN IMPORTANT SLIDE</a:t>
+            </a:r>
+          </a:p>
+        </p:txBody>
+      </p:sp>
+      <p:sp>
+        <p:nvSpPr>
+          <p:cNvPr id="3" name="Content Placeholder 2">
             <a:extLst>
-              <a:ext uri="{28A0092B-C50C-407E-A947-70E740481C1C}">
-                <a14:useLocalDpi xmlns:a14="http://schemas.microsoft.com/office/drawing/2010/main" val="0"/>
+              <a:ext uri="{FF2B5EF4-FFF2-40B4-BE49-F238E27FC236}">
+                <a16:creationId xmlns:a16="http://schemas.microsoft.com/office/drawing/2014/main" id="{C10D05C9-7009-4337-AEE3-29BDA9D6AC70}"/>
               </a:ext>
             </a:extLst>
-          </a:blip>
-          <a:stretch>
-            <a:fillRect/>
-          </a:stretch>
-        </p:blipFill>
+          </p:cNvPr>
+          <p:cNvSpPr>
+            <a:spLocks noGrp="1"/>
+          </p:cNvSpPr>
+          <p:nvPr>
+            <p:ph idx="1"/>
+          </p:nvPr>
+        </p:nvSpPr>
         <p:spPr>
           <a:xfrm>
-            <a:off x="2472859" y="643466"/>
-            <a:ext cx="7246282" cy="5571067"/>
+            <a:off x="913795" y="2723049"/>
+            <a:ext cx="10353762" cy="4058751"/>
           </a:xfrm>
-          <a:prstGeom prst="rect">
-            <a:avLst/>
-          </a:prstGeom>
         </p:spPr>
-      </p:pic>
+        <p:txBody>
+          <a:bodyPr/>
+          <a:lstStyle/>
+          <a:p>
+            <a:r>
+              <a:rPr lang="en-US" dirty="0"/>
+              <a:t>DO NOT </a:t>
+            </a:r>
+            <a:r>
+              <a:rPr lang="en-US" b="1" u="sng" dirty="0"/>
+              <a:t>EVER</a:t>
+            </a:r>
+            <a:r>
+              <a:rPr lang="en-US" dirty="0"/>
+              <a:t> publicly post or place a certificate file or password</a:t>
+            </a:r>
+          </a:p>
+          <a:p>
+            <a:r>
+              <a:rPr lang="en-US" dirty="0"/>
+              <a:t>Always assume user’s data is bad</a:t>
+            </a:r>
+          </a:p>
+          <a:p>
+            <a:r>
+              <a:rPr lang="en-US" dirty="0"/>
+              <a:t>Use GitHub or similar code repo for storing your work</a:t>
+            </a:r>
+          </a:p>
+          <a:p>
+            <a:r>
+              <a:rPr lang="en-US" dirty="0"/>
+              <a:t>Enable MFA in AWS</a:t>
+            </a:r>
+          </a:p>
+          <a:p>
+            <a:r>
+              <a:rPr lang="en-US" dirty="0"/>
+              <a:t>Enable Billing alerts in AWS</a:t>
+            </a:r>
+          </a:p>
+        </p:txBody>
+      </p:sp>
     </p:spTree>
     <p:extLst>
       <p:ext uri="{BB962C8B-B14F-4D97-AF65-F5344CB8AC3E}">
-        <p14:creationId xmlns:p14="http://schemas.microsoft.com/office/powerpoint/2010/main" val="3722866428"/>
+        <p14:creationId xmlns:p14="http://schemas.microsoft.com/office/powerpoint/2010/main" val="95129283"/>
       </p:ext>
     </p:extLst>
   </p:cSld>
@@ -8467,14 +8532,6 @@
 <file path=ppt/slides/slide11.xml><?xml version="1.0" encoding="utf-8"?>
 <p:sld xmlns:a="http://schemas.openxmlformats.org/drawingml/2006/main" xmlns:r="http://schemas.openxmlformats.org/officeDocument/2006/relationships" xmlns:p="http://schemas.openxmlformats.org/presentationml/2006/main">
   <p:cSld>
-    <p:bg>
-      <p:bgPr>
-        <a:solidFill>
-          <a:schemeClr val="bg1"/>
-        </a:solidFill>
-        <a:effectLst/>
-      </p:bgPr>
-    </p:bg>
     <p:spTree>
       <p:nvGrpSpPr>
         <p:cNvPr id="1" name=""/>
@@ -8489,48 +8546,10 @@
           <a:chExt cx="0" cy="0"/>
         </a:xfrm>
       </p:grpSpPr>
-      <p:pic>
-        <p:nvPicPr>
-          <p:cNvPr id="5" name="Content Placeholder 4" descr="A screenshot of a cell phone&#10;&#10;Description automatically generated">
-            <a:extLst>
-              <a:ext uri="{FF2B5EF4-FFF2-40B4-BE49-F238E27FC236}">
-                <a16:creationId xmlns:a16="http://schemas.microsoft.com/office/drawing/2014/main" id="{97EC8FE3-AE87-40A5-A785-F250F4D1AA2F}"/>
-              </a:ext>
-            </a:extLst>
-          </p:cNvPr>
-          <p:cNvPicPr>
-            <a:picLocks noGrp="1" noChangeAspect="1"/>
-          </p:cNvPicPr>
-          <p:nvPr>
-            <p:ph idx="1"/>
-          </p:nvPr>
-        </p:nvPicPr>
-        <p:blipFill>
-          <a:blip r:embed="rId2">
-            <a:extLst>
-              <a:ext uri="{28A0092B-C50C-407E-A947-70E740481C1C}">
-                <a14:useLocalDpi xmlns:a14="http://schemas.microsoft.com/office/drawing/2010/main" val="0"/>
-              </a:ext>
-            </a:extLst>
-          </a:blip>
-          <a:stretch>
-            <a:fillRect/>
-          </a:stretch>
-        </p:blipFill>
-        <p:spPr>
-          <a:xfrm>
-            <a:off x="2418014" y="643466"/>
-            <a:ext cx="7355971" cy="5571067"/>
-          </a:xfrm>
-          <a:prstGeom prst="rect">
-            <a:avLst/>
-          </a:prstGeom>
-        </p:spPr>
-      </p:pic>
     </p:spTree>
     <p:extLst>
       <p:ext uri="{BB962C8B-B14F-4D97-AF65-F5344CB8AC3E}">
-        <p14:creationId xmlns:p14="http://schemas.microsoft.com/office/powerpoint/2010/main" val="4210562592"/>
+        <p14:creationId xmlns:p14="http://schemas.microsoft.com/office/powerpoint/2010/main" val="3974337324"/>
       </p:ext>
     </p:extLst>
   </p:cSld>
@@ -8570,7 +8589,7 @@
           <p:cNvPr id="5" name="Content Placeholder 4" descr="A screenshot of a cell phone&#10;&#10;Description automatically generated">
             <a:extLst>
               <a:ext uri="{FF2B5EF4-FFF2-40B4-BE49-F238E27FC236}">
-                <a16:creationId xmlns:a16="http://schemas.microsoft.com/office/drawing/2014/main" id="{BAD8FDC1-492F-4201-9C47-D6591600AB93}"/>
+                <a16:creationId xmlns:a16="http://schemas.microsoft.com/office/drawing/2014/main" id="{CDAD5207-B13D-4B06-BB9A-6BE44609A2CC}"/>
               </a:ext>
             </a:extLst>
           </p:cNvPr>
@@ -8581,7 +8600,7 @@
             <p:ph idx="1"/>
           </p:nvPr>
         </p:nvPicPr>
-        <p:blipFill rotWithShape="1">
+        <p:blipFill>
           <a:blip r:embed="rId2">
             <a:extLst>
               <a:ext uri="{28A0092B-C50C-407E-A947-70E740481C1C}">
@@ -8589,1102 +8608,26 @@
               </a:ext>
             </a:extLst>
           </a:blip>
-          <a:srcRect b="5462"/>
-          <a:stretch/>
+          <a:stretch>
+            <a:fillRect/>
+          </a:stretch>
         </p:blipFill>
         <p:spPr>
           <a:xfrm>
-            <a:off x="20" y="10"/>
-            <a:ext cx="12191980" cy="6857990"/>
+            <a:off x="320040" y="840705"/>
+            <a:ext cx="11496821" cy="2931688"/>
           </a:xfrm>
           <a:prstGeom prst="rect">
             <a:avLst/>
           </a:prstGeom>
         </p:spPr>
       </p:pic>
-    </p:spTree>
-    <p:extLst>
-      <p:ext uri="{BB962C8B-B14F-4D97-AF65-F5344CB8AC3E}">
-        <p14:creationId xmlns:p14="http://schemas.microsoft.com/office/powerpoint/2010/main" val="2270736405"/>
-      </p:ext>
-    </p:extLst>
-  </p:cSld>
-  <p:clrMapOvr>
-    <a:masterClrMapping/>
-  </p:clrMapOvr>
-</p:sld>
-</file>
-
-<file path=ppt/slides/slide13.xml><?xml version="1.0" encoding="utf-8"?>
-<p:sld xmlns:a="http://schemas.openxmlformats.org/drawingml/2006/main" xmlns:r="http://schemas.openxmlformats.org/officeDocument/2006/relationships" xmlns:p="http://schemas.openxmlformats.org/presentationml/2006/main">
-  <p:cSld>
-    <p:bg>
-      <p:bgPr>
-        <a:solidFill>
-          <a:schemeClr val="bg1"/>
-        </a:solidFill>
-        <a:effectLst/>
-      </p:bgPr>
-    </p:bg>
-    <p:spTree>
-      <p:nvGrpSpPr>
-        <p:cNvPr id="1" name=""/>
-        <p:cNvGrpSpPr/>
-        <p:nvPr/>
-      </p:nvGrpSpPr>
-      <p:grpSpPr>
-        <a:xfrm>
-          <a:off x="0" y="0"/>
-          <a:ext cx="0" cy="0"/>
-          <a:chOff x="0" y="0"/>
-          <a:chExt cx="0" cy="0"/>
-        </a:xfrm>
-      </p:grpSpPr>
-      <p:pic>
-        <p:nvPicPr>
-          <p:cNvPr id="5" name="Content Placeholder 4" descr="A screenshot of a cell phone&#10;&#10;Description automatically generated">
+      <p:sp>
+        <p:nvSpPr>
+          <p:cNvPr id="6" name="Content Placeholder 2">
             <a:extLst>
               <a:ext uri="{FF2B5EF4-FFF2-40B4-BE49-F238E27FC236}">
-                <a16:creationId xmlns:a16="http://schemas.microsoft.com/office/drawing/2014/main" id="{D9C0333C-9454-40D5-84ED-BC11E70F009D}"/>
-              </a:ext>
-            </a:extLst>
-          </p:cNvPr>
-          <p:cNvPicPr>
-            <a:picLocks noGrp="1" noChangeAspect="1"/>
-          </p:cNvPicPr>
-          <p:nvPr>
-            <p:ph idx="1"/>
-          </p:nvPr>
-        </p:nvPicPr>
-        <p:blipFill rotWithShape="1">
-          <a:blip r:embed="rId2">
-            <a:extLst>
-              <a:ext uri="{28A0092B-C50C-407E-A947-70E740481C1C}">
-                <a14:useLocalDpi xmlns:a14="http://schemas.microsoft.com/office/drawing/2010/main" val="0"/>
-              </a:ext>
-            </a:extLst>
-          </a:blip>
-          <a:srcRect t="1420" b="13353"/>
-          <a:stretch/>
-        </p:blipFill>
-        <p:spPr>
-          <a:xfrm>
-            <a:off x="20" y="10"/>
-            <a:ext cx="12191980" cy="6857990"/>
-          </a:xfrm>
-          <a:prstGeom prst="rect">
-            <a:avLst/>
-          </a:prstGeom>
-        </p:spPr>
-      </p:pic>
-    </p:spTree>
-    <p:extLst>
-      <p:ext uri="{BB962C8B-B14F-4D97-AF65-F5344CB8AC3E}">
-        <p14:creationId xmlns:p14="http://schemas.microsoft.com/office/powerpoint/2010/main" val="2403801737"/>
-      </p:ext>
-    </p:extLst>
-  </p:cSld>
-  <p:clrMapOvr>
-    <a:masterClrMapping/>
-  </p:clrMapOvr>
-</p:sld>
-</file>
-
-<file path=ppt/slides/slide14.xml><?xml version="1.0" encoding="utf-8"?>
-<p:sld xmlns:a="http://schemas.openxmlformats.org/drawingml/2006/main" xmlns:r="http://schemas.openxmlformats.org/officeDocument/2006/relationships" xmlns:p="http://schemas.openxmlformats.org/presentationml/2006/main">
-  <p:cSld>
-    <p:bg>
-      <p:bgPr>
-        <a:solidFill>
-          <a:schemeClr val="bg1"/>
-        </a:solidFill>
-        <a:effectLst/>
-      </p:bgPr>
-    </p:bg>
-    <p:spTree>
-      <p:nvGrpSpPr>
-        <p:cNvPr id="1" name=""/>
-        <p:cNvGrpSpPr/>
-        <p:nvPr/>
-      </p:nvGrpSpPr>
-      <p:grpSpPr>
-        <a:xfrm>
-          <a:off x="0" y="0"/>
-          <a:ext cx="0" cy="0"/>
-          <a:chOff x="0" y="0"/>
-          <a:chExt cx="0" cy="0"/>
-        </a:xfrm>
-      </p:grpSpPr>
-      <p:pic>
-        <p:nvPicPr>
-          <p:cNvPr id="5" name="Content Placeholder 4" descr="A screenshot of a cell phone screen with text&#10;&#10;Description automatically generated">
-            <a:extLst>
-              <a:ext uri="{FF2B5EF4-FFF2-40B4-BE49-F238E27FC236}">
-                <a16:creationId xmlns:a16="http://schemas.microsoft.com/office/drawing/2014/main" id="{3B706385-1D70-4FCE-BB96-C4C62A9B6261}"/>
-              </a:ext>
-            </a:extLst>
-          </p:cNvPr>
-          <p:cNvPicPr>
-            <a:picLocks noGrp="1" noChangeAspect="1"/>
-          </p:cNvPicPr>
-          <p:nvPr>
-            <p:ph idx="1"/>
-          </p:nvPr>
-        </p:nvPicPr>
-        <p:blipFill rotWithShape="1">
-          <a:blip r:embed="rId2">
-            <a:extLst>
-              <a:ext uri="{28A0092B-C50C-407E-A947-70E740481C1C}">
-                <a14:useLocalDpi xmlns:a14="http://schemas.microsoft.com/office/drawing/2010/main" val="0"/>
-              </a:ext>
-            </a:extLst>
-          </a:blip>
-          <a:srcRect/>
-          <a:stretch/>
-        </p:blipFill>
-        <p:spPr>
-          <a:xfrm>
-            <a:off x="20" y="10"/>
-            <a:ext cx="12191980" cy="6857990"/>
-          </a:xfrm>
-          <a:prstGeom prst="rect">
-            <a:avLst/>
-          </a:prstGeom>
-        </p:spPr>
-      </p:pic>
-    </p:spTree>
-    <p:extLst>
-      <p:ext uri="{BB962C8B-B14F-4D97-AF65-F5344CB8AC3E}">
-        <p14:creationId xmlns:p14="http://schemas.microsoft.com/office/powerpoint/2010/main" val="3034105933"/>
-      </p:ext>
-    </p:extLst>
-  </p:cSld>
-  <p:clrMapOvr>
-    <a:masterClrMapping/>
-  </p:clrMapOvr>
-</p:sld>
-</file>
-
-<file path=ppt/slides/slide15.xml><?xml version="1.0" encoding="utf-8"?>
-<p:sld xmlns:a="http://schemas.openxmlformats.org/drawingml/2006/main" xmlns:r="http://schemas.openxmlformats.org/officeDocument/2006/relationships" xmlns:p="http://schemas.openxmlformats.org/presentationml/2006/main">
-  <p:cSld>
-    <p:bg>
-      <p:bgPr>
-        <a:solidFill>
-          <a:schemeClr val="bg1"/>
-        </a:solidFill>
-        <a:effectLst/>
-      </p:bgPr>
-    </p:bg>
-    <p:spTree>
-      <p:nvGrpSpPr>
-        <p:cNvPr id="1" name=""/>
-        <p:cNvGrpSpPr/>
-        <p:nvPr/>
-      </p:nvGrpSpPr>
-      <p:grpSpPr>
-        <a:xfrm>
-          <a:off x="0" y="0"/>
-          <a:ext cx="0" cy="0"/>
-          <a:chOff x="0" y="0"/>
-          <a:chExt cx="0" cy="0"/>
-        </a:xfrm>
-      </p:grpSpPr>
-      <p:sp>
-        <p:nvSpPr>
-          <p:cNvPr id="2" name="Title 1">
-            <a:extLst>
-              <a:ext uri="{FF2B5EF4-FFF2-40B4-BE49-F238E27FC236}">
-                <a16:creationId xmlns:a16="http://schemas.microsoft.com/office/drawing/2014/main" id="{8CE0DC9F-91EE-4A40-B4E1-B3185323A1CB}"/>
-              </a:ext>
-            </a:extLst>
-          </p:cNvPr>
-          <p:cNvSpPr>
-            <a:spLocks noGrp="1"/>
-          </p:cNvSpPr>
-          <p:nvPr>
-            <p:ph type="title"/>
-          </p:nvPr>
-        </p:nvSpPr>
-        <p:spPr>
-          <a:xfrm>
-            <a:off x="648929" y="629266"/>
-            <a:ext cx="3651467" cy="1676603"/>
-          </a:xfrm>
-        </p:spPr>
-        <p:txBody>
-          <a:bodyPr>
-            <a:normAutofit/>
-          </a:bodyPr>
-          <a:lstStyle/>
-          <a:p>
-            <a:endParaRPr lang="en-US"/>
-          </a:p>
-        </p:txBody>
-      </p:sp>
-      <p:sp>
-        <p:nvSpPr>
-          <p:cNvPr id="9" name="Content Placeholder 8">
-            <a:extLst>
-              <a:ext uri="{FF2B5EF4-FFF2-40B4-BE49-F238E27FC236}">
-                <a16:creationId xmlns:a16="http://schemas.microsoft.com/office/drawing/2014/main" id="{3E070EC8-4A0E-495C-B06E-0BB003D32D23}"/>
-              </a:ext>
-            </a:extLst>
-          </p:cNvPr>
-          <p:cNvSpPr>
-            <a:spLocks noGrp="1"/>
-          </p:cNvSpPr>
-          <p:nvPr>
-            <p:ph idx="1"/>
-          </p:nvPr>
-        </p:nvSpPr>
-        <p:spPr>
-          <a:xfrm>
-            <a:off x="648931" y="2438400"/>
-            <a:ext cx="3651466" cy="3785419"/>
-          </a:xfrm>
-        </p:spPr>
-        <p:txBody>
-          <a:bodyPr>
-            <a:normAutofit/>
-          </a:bodyPr>
-          <a:lstStyle/>
-          <a:p>
-            <a:endParaRPr lang="en-US" sz="1800"/>
-          </a:p>
-        </p:txBody>
-      </p:sp>
-      <p:pic>
-        <p:nvPicPr>
-          <p:cNvPr id="5" name="Content Placeholder 4" descr="A screenshot of a computer screen&#10;&#10;Description automatically generated">
-            <a:extLst>
-              <a:ext uri="{FF2B5EF4-FFF2-40B4-BE49-F238E27FC236}">
-                <a16:creationId xmlns:a16="http://schemas.microsoft.com/office/drawing/2014/main" id="{8B957F82-12D4-4FAF-B7FB-85CC325AB669}"/>
-              </a:ext>
-            </a:extLst>
-          </p:cNvPr>
-          <p:cNvPicPr>
-            <a:picLocks noChangeAspect="1"/>
-          </p:cNvPicPr>
-          <p:nvPr/>
-        </p:nvPicPr>
-        <p:blipFill rotWithShape="1">
-          <a:blip r:embed="rId2">
-            <a:extLst>
-              <a:ext uri="{28A0092B-C50C-407E-A947-70E740481C1C}">
-                <a14:useLocalDpi xmlns:a14="http://schemas.microsoft.com/office/drawing/2010/main" val="0"/>
-              </a:ext>
-            </a:extLst>
-          </a:blip>
-          <a:srcRect t="3971" r="2" b="16142"/>
-          <a:stretch/>
-        </p:blipFill>
-        <p:spPr>
-          <a:xfrm>
-            <a:off x="4639056" y="10"/>
-            <a:ext cx="7552944" cy="6857990"/>
-          </a:xfrm>
-          <a:prstGeom prst="rect">
-            <a:avLst/>
-          </a:prstGeom>
-          <a:effectLst/>
-        </p:spPr>
-      </p:pic>
-    </p:spTree>
-    <p:extLst>
-      <p:ext uri="{BB962C8B-B14F-4D97-AF65-F5344CB8AC3E}">
-        <p14:creationId xmlns:p14="http://schemas.microsoft.com/office/powerpoint/2010/main" val="4060371151"/>
-      </p:ext>
-    </p:extLst>
-  </p:cSld>
-  <p:clrMapOvr>
-    <a:masterClrMapping/>
-  </p:clrMapOvr>
-</p:sld>
-</file>
-
-<file path=ppt/slides/slide16.xml><?xml version="1.0" encoding="utf-8"?>
-<p:sld xmlns:a="http://schemas.openxmlformats.org/drawingml/2006/main" xmlns:r="http://schemas.openxmlformats.org/officeDocument/2006/relationships" xmlns:p="http://schemas.openxmlformats.org/presentationml/2006/main">
-  <p:cSld>
-    <p:bg>
-      <p:bgPr>
-        <a:solidFill>
-          <a:schemeClr val="bg1"/>
-        </a:solidFill>
-        <a:effectLst/>
-      </p:bgPr>
-    </p:bg>
-    <p:spTree>
-      <p:nvGrpSpPr>
-        <p:cNvPr id="1" name=""/>
-        <p:cNvGrpSpPr/>
-        <p:nvPr/>
-      </p:nvGrpSpPr>
-      <p:grpSpPr>
-        <a:xfrm>
-          <a:off x="0" y="0"/>
-          <a:ext cx="0" cy="0"/>
-          <a:chOff x="0" y="0"/>
-          <a:chExt cx="0" cy="0"/>
-        </a:xfrm>
-      </p:grpSpPr>
-      <p:sp>
-        <p:nvSpPr>
-          <p:cNvPr id="2" name="Title 1">
-            <a:extLst>
-              <a:ext uri="{FF2B5EF4-FFF2-40B4-BE49-F238E27FC236}">
-                <a16:creationId xmlns:a16="http://schemas.microsoft.com/office/drawing/2014/main" id="{95579E19-410F-4F15-BB84-06CA942447DC}"/>
-              </a:ext>
-            </a:extLst>
-          </p:cNvPr>
-          <p:cNvSpPr>
-            <a:spLocks noGrp="1"/>
-          </p:cNvSpPr>
-          <p:nvPr>
-            <p:ph type="title"/>
-          </p:nvPr>
-        </p:nvSpPr>
-        <p:spPr>
-          <a:xfrm>
-            <a:off x="634276" y="4892358"/>
-            <a:ext cx="3766272" cy="1325563"/>
-          </a:xfrm>
-        </p:spPr>
-        <p:txBody>
-          <a:bodyPr>
-            <a:normAutofit/>
-          </a:bodyPr>
-          <a:lstStyle/>
-          <a:p>
-            <a:pPr algn="r"/>
-            <a:endParaRPr lang="en-US" sz="2400" dirty="0">
-              <a:solidFill>
-                <a:schemeClr val="bg1"/>
-              </a:solidFill>
-              <a:highlight>
-                <a:srgbClr val="C0C0C0"/>
-              </a:highlight>
-            </a:endParaRPr>
-          </a:p>
-        </p:txBody>
-      </p:sp>
-      <p:sp>
-        <p:nvSpPr>
-          <p:cNvPr id="10" name="Content Placeholder 7">
-            <a:extLst>
-              <a:ext uri="{FF2B5EF4-FFF2-40B4-BE49-F238E27FC236}">
-                <a16:creationId xmlns:a16="http://schemas.microsoft.com/office/drawing/2014/main" id="{F20A5F73-19F9-4A2B-BF93-77595EE1CD4F}"/>
-              </a:ext>
-            </a:extLst>
-          </p:cNvPr>
-          <p:cNvSpPr>
-            <a:spLocks noGrp="1"/>
-          </p:cNvSpPr>
-          <p:nvPr>
-            <p:ph idx="1"/>
-          </p:nvPr>
-        </p:nvSpPr>
-        <p:spPr>
-          <a:xfrm>
-            <a:off x="4878784" y="4824249"/>
-            <a:ext cx="6673136" cy="1461780"/>
-          </a:xfrm>
-        </p:spPr>
-        <p:txBody>
-          <a:bodyPr anchor="ctr">
-            <a:normAutofit/>
-          </a:bodyPr>
-          <a:lstStyle/>
-          <a:p>
-            <a:endParaRPr lang="en-US" sz="1800" dirty="0">
-              <a:solidFill>
-                <a:schemeClr val="bg1"/>
-              </a:solidFill>
-              <a:highlight>
-                <a:srgbClr val="C0C0C0"/>
-              </a:highlight>
-            </a:endParaRPr>
-          </a:p>
-        </p:txBody>
-      </p:sp>
-      <p:pic>
-        <p:nvPicPr>
-          <p:cNvPr id="4" name="Content Placeholder 3" descr="A screenshot of a cell phone&#10;&#10;Description automatically generated">
-            <a:extLst>
-              <a:ext uri="{FF2B5EF4-FFF2-40B4-BE49-F238E27FC236}">
-                <a16:creationId xmlns:a16="http://schemas.microsoft.com/office/drawing/2014/main" id="{2683F1E9-C130-4C36-81CF-36A5775019E9}"/>
-              </a:ext>
-            </a:extLst>
-          </p:cNvPr>
-          <p:cNvPicPr>
-            <a:picLocks noChangeAspect="1"/>
-          </p:cNvPicPr>
-          <p:nvPr/>
-        </p:nvPicPr>
-        <p:blipFill>
-          <a:blip r:embed="rId2"/>
-          <a:stretch>
-            <a:fillRect/>
-          </a:stretch>
-        </p:blipFill>
-        <p:spPr>
-          <a:xfrm>
-            <a:off x="1532271" y="800945"/>
-            <a:ext cx="9121653" cy="2987343"/>
-          </a:xfrm>
-          <a:prstGeom prst="rect">
-            <a:avLst/>
-          </a:prstGeom>
-        </p:spPr>
-      </p:pic>
-    </p:spTree>
-    <p:extLst>
-      <p:ext uri="{BB962C8B-B14F-4D97-AF65-F5344CB8AC3E}">
-        <p14:creationId xmlns:p14="http://schemas.microsoft.com/office/powerpoint/2010/main" val="3323020734"/>
-      </p:ext>
-    </p:extLst>
-  </p:cSld>
-  <p:clrMapOvr>
-    <a:masterClrMapping/>
-  </p:clrMapOvr>
-</p:sld>
-</file>
-
-<file path=ppt/slides/slide17.xml><?xml version="1.0" encoding="utf-8"?>
-<p:sld xmlns:a="http://schemas.openxmlformats.org/drawingml/2006/main" xmlns:r="http://schemas.openxmlformats.org/officeDocument/2006/relationships" xmlns:p="http://schemas.openxmlformats.org/presentationml/2006/main">
-  <p:cSld>
-    <p:bg>
-      <p:bgPr>
-        <a:solidFill>
-          <a:schemeClr val="bg1"/>
-        </a:solidFill>
-        <a:effectLst/>
-      </p:bgPr>
-    </p:bg>
-    <p:spTree>
-      <p:nvGrpSpPr>
-        <p:cNvPr id="1" name=""/>
-        <p:cNvGrpSpPr/>
-        <p:nvPr/>
-      </p:nvGrpSpPr>
-      <p:grpSpPr>
-        <a:xfrm>
-          <a:off x="0" y="0"/>
-          <a:ext cx="0" cy="0"/>
-          <a:chOff x="0" y="0"/>
-          <a:chExt cx="0" cy="0"/>
-        </a:xfrm>
-      </p:grpSpPr>
-      <p:sp>
-        <p:nvSpPr>
-          <p:cNvPr id="2" name="Title 1">
-            <a:extLst>
-              <a:ext uri="{FF2B5EF4-FFF2-40B4-BE49-F238E27FC236}">
-                <a16:creationId xmlns:a16="http://schemas.microsoft.com/office/drawing/2014/main" id="{9CA23737-A948-44C0-AABA-87888AB1FDCD}"/>
-              </a:ext>
-            </a:extLst>
-          </p:cNvPr>
-          <p:cNvSpPr>
-            <a:spLocks noGrp="1"/>
-          </p:cNvSpPr>
-          <p:nvPr>
-            <p:ph type="title"/>
-          </p:nvPr>
-        </p:nvSpPr>
-        <p:spPr>
-          <a:xfrm>
-            <a:off x="8471424" y="1110882"/>
-            <a:ext cx="3053039" cy="1293626"/>
-          </a:xfrm>
-        </p:spPr>
-        <p:txBody>
-          <a:bodyPr anchor="ctr">
-            <a:normAutofit/>
-          </a:bodyPr>
-          <a:lstStyle/>
-          <a:p>
-            <a:r>
-              <a:rPr lang="en-US" sz="1800" dirty="0"/>
-              <a:t>Lambda Memory Settings</a:t>
-            </a:r>
-          </a:p>
-        </p:txBody>
-      </p:sp>
-      <p:sp>
-        <p:nvSpPr>
-          <p:cNvPr id="8" name="Content Placeholder 7">
-            <a:extLst>
-              <a:ext uri="{FF2B5EF4-FFF2-40B4-BE49-F238E27FC236}">
-                <a16:creationId xmlns:a16="http://schemas.microsoft.com/office/drawing/2014/main" id="{250AFEB5-969E-4B5D-B1E1-7147938395F2}"/>
-              </a:ext>
-            </a:extLst>
-          </p:cNvPr>
-          <p:cNvSpPr>
-            <a:spLocks noGrp="1"/>
-          </p:cNvSpPr>
-          <p:nvPr>
-            <p:ph idx="1"/>
-          </p:nvPr>
-        </p:nvSpPr>
-        <p:spPr>
-          <a:xfrm>
-            <a:off x="8471423" y="2542939"/>
-            <a:ext cx="3053039" cy="3674981"/>
-          </a:xfrm>
-        </p:spPr>
-        <p:txBody>
-          <a:bodyPr>
-            <a:normAutofit/>
-          </a:bodyPr>
-          <a:lstStyle/>
-          <a:p>
-            <a:pPr marL="0" indent="0">
-              <a:buNone/>
-            </a:pPr>
-            <a:r>
-              <a:rPr lang="en-US" sz="1800" dirty="0"/>
-              <a:t>The Lambda Memory Setting</a:t>
-            </a:r>
-          </a:p>
-          <a:p>
-            <a:r>
-              <a:rPr lang="en-US" sz="1800" dirty="0"/>
-              <a:t>Controls the amount of CPU</a:t>
-            </a:r>
-          </a:p>
-          <a:p>
-            <a:r>
-              <a:rPr lang="en-US" sz="1800" dirty="0"/>
-              <a:t>Will affect timeout</a:t>
-            </a:r>
-          </a:p>
-          <a:p>
-            <a:r>
-              <a:rPr lang="en-US" sz="1800" dirty="0"/>
-              <a:t>Larger projects will need this increased</a:t>
-            </a:r>
-          </a:p>
-          <a:p>
-            <a:r>
-              <a:rPr lang="en-US" sz="1800" dirty="0"/>
-              <a:t>Test different settings for best results</a:t>
-            </a:r>
-          </a:p>
-        </p:txBody>
-      </p:sp>
-      <p:pic>
-        <p:nvPicPr>
-          <p:cNvPr id="4" name="Content Placeholder 3">
-            <a:extLst>
-              <a:ext uri="{FF2B5EF4-FFF2-40B4-BE49-F238E27FC236}">
-                <a16:creationId xmlns:a16="http://schemas.microsoft.com/office/drawing/2014/main" id="{8AAEC2F0-3E1C-4AFD-A3EE-74C4083DCFFA}"/>
-              </a:ext>
-            </a:extLst>
-          </p:cNvPr>
-          <p:cNvPicPr>
-            <a:picLocks noChangeAspect="1"/>
-          </p:cNvPicPr>
-          <p:nvPr/>
-        </p:nvPicPr>
-        <p:blipFill>
-          <a:blip r:embed="rId2"/>
-          <a:stretch>
-            <a:fillRect/>
-          </a:stretch>
-        </p:blipFill>
-        <p:spPr>
-          <a:xfrm>
-            <a:off x="795141" y="1693575"/>
-            <a:ext cx="6739513" cy="3470849"/>
-          </a:xfrm>
-          <a:prstGeom prst="rect">
-            <a:avLst/>
-          </a:prstGeom>
-        </p:spPr>
-      </p:pic>
-    </p:spTree>
-    <p:extLst>
-      <p:ext uri="{BB962C8B-B14F-4D97-AF65-F5344CB8AC3E}">
-        <p14:creationId xmlns:p14="http://schemas.microsoft.com/office/powerpoint/2010/main" val="4099095976"/>
-      </p:ext>
-    </p:extLst>
-  </p:cSld>
-  <p:clrMapOvr>
-    <a:masterClrMapping/>
-  </p:clrMapOvr>
-</p:sld>
-</file>
-
-<file path=ppt/slides/slide18.xml><?xml version="1.0" encoding="utf-8"?>
-<p:sld xmlns:a="http://schemas.openxmlformats.org/drawingml/2006/main" xmlns:r="http://schemas.openxmlformats.org/officeDocument/2006/relationships" xmlns:p="http://schemas.openxmlformats.org/presentationml/2006/main">
-  <p:cSld>
-    <p:bg>
-      <p:bgPr>
-        <a:solidFill>
-          <a:schemeClr val="bg1"/>
-        </a:solidFill>
-        <a:effectLst/>
-      </p:bgPr>
-    </p:bg>
-    <p:spTree>
-      <p:nvGrpSpPr>
-        <p:cNvPr id="1" name=""/>
-        <p:cNvGrpSpPr/>
-        <p:nvPr/>
-      </p:nvGrpSpPr>
-      <p:grpSpPr>
-        <a:xfrm>
-          <a:off x="0" y="0"/>
-          <a:ext cx="0" cy="0"/>
-          <a:chOff x="0" y="0"/>
-          <a:chExt cx="0" cy="0"/>
-        </a:xfrm>
-      </p:grpSpPr>
-      <p:sp>
-        <p:nvSpPr>
-          <p:cNvPr id="2" name="Title 1">
-            <a:extLst>
-              <a:ext uri="{FF2B5EF4-FFF2-40B4-BE49-F238E27FC236}">
-                <a16:creationId xmlns:a16="http://schemas.microsoft.com/office/drawing/2014/main" id="{C2105D7A-0C49-4F74-AB7B-4DB550669F0D}"/>
-              </a:ext>
-            </a:extLst>
-          </p:cNvPr>
-          <p:cNvSpPr>
-            <a:spLocks noGrp="1"/>
-          </p:cNvSpPr>
-          <p:nvPr>
-            <p:ph type="title"/>
-          </p:nvPr>
-        </p:nvSpPr>
-        <p:spPr>
-          <a:xfrm>
-            <a:off x="634276" y="4892358"/>
-            <a:ext cx="3766272" cy="1325563"/>
-          </a:xfrm>
-        </p:spPr>
-        <p:txBody>
-          <a:bodyPr>
-            <a:normAutofit/>
-          </a:bodyPr>
-          <a:lstStyle/>
-          <a:p>
-            <a:pPr algn="r"/>
-            <a:r>
-              <a:rPr lang="en-US" sz="2400" dirty="0" err="1">
-                <a:solidFill>
-                  <a:schemeClr val="bg1"/>
-                </a:solidFill>
-                <a:highlight>
-                  <a:srgbClr val="C0C0C0"/>
-                </a:highlight>
-              </a:rPr>
-              <a:t>Serverless.template</a:t>
-            </a:r>
-            <a:endParaRPr lang="en-US" sz="2400" dirty="0">
-              <a:solidFill>
-                <a:schemeClr val="bg1"/>
-              </a:solidFill>
-              <a:highlight>
-                <a:srgbClr val="C0C0C0"/>
-              </a:highlight>
-            </a:endParaRPr>
-          </a:p>
-        </p:txBody>
-      </p:sp>
-      <p:sp>
-        <p:nvSpPr>
-          <p:cNvPr id="8" name="Content Placeholder 7">
-            <a:extLst>
-              <a:ext uri="{FF2B5EF4-FFF2-40B4-BE49-F238E27FC236}">
-                <a16:creationId xmlns:a16="http://schemas.microsoft.com/office/drawing/2014/main" id="{82DC0ED8-E3E0-4D00-AE13-2693CBC9D13C}"/>
-              </a:ext>
-            </a:extLst>
-          </p:cNvPr>
-          <p:cNvSpPr>
-            <a:spLocks noGrp="1"/>
-          </p:cNvSpPr>
-          <p:nvPr>
-            <p:ph idx="1"/>
-          </p:nvPr>
-        </p:nvSpPr>
-        <p:spPr>
-          <a:xfrm>
-            <a:off x="4878784" y="4824249"/>
-            <a:ext cx="6673136" cy="1461780"/>
-          </a:xfrm>
-        </p:spPr>
-        <p:txBody>
-          <a:bodyPr anchor="ctr">
-            <a:normAutofit fontScale="77500" lnSpcReduction="20000"/>
-          </a:bodyPr>
-          <a:lstStyle/>
-          <a:p>
-            <a:r>
-              <a:rPr lang="en-US" sz="1800" dirty="0">
-                <a:solidFill>
-                  <a:schemeClr val="bg1"/>
-                </a:solidFill>
-                <a:highlight>
-                  <a:srgbClr val="C0C0C0"/>
-                </a:highlight>
-              </a:rPr>
-              <a:t>Changes to Lambda Function in code</a:t>
-            </a:r>
-          </a:p>
-          <a:p>
-            <a:r>
-              <a:rPr lang="en-US" sz="1800" dirty="0">
-                <a:solidFill>
-                  <a:schemeClr val="bg1"/>
-                </a:solidFill>
-                <a:highlight>
-                  <a:srgbClr val="C0C0C0"/>
-                </a:highlight>
-              </a:rPr>
-              <a:t>Runtime</a:t>
-            </a:r>
-          </a:p>
-          <a:p>
-            <a:r>
-              <a:rPr lang="en-US" sz="1800" dirty="0">
-                <a:solidFill>
-                  <a:schemeClr val="bg1"/>
-                </a:solidFill>
-                <a:highlight>
-                  <a:srgbClr val="C0C0C0"/>
-                </a:highlight>
-              </a:rPr>
-              <a:t>Memory/</a:t>
-            </a:r>
-            <a:r>
-              <a:rPr lang="en-US" sz="1800" dirty="0" err="1">
-                <a:solidFill>
-                  <a:schemeClr val="bg1"/>
-                </a:solidFill>
-                <a:highlight>
-                  <a:srgbClr val="C0C0C0"/>
-                </a:highlight>
-              </a:rPr>
-              <a:t>cpu</a:t>
-            </a:r>
-            <a:endParaRPr lang="en-US" sz="1800" dirty="0">
-              <a:solidFill>
-                <a:schemeClr val="bg1"/>
-              </a:solidFill>
-              <a:highlight>
-                <a:srgbClr val="C0C0C0"/>
-              </a:highlight>
-            </a:endParaRPr>
-          </a:p>
-          <a:p>
-            <a:r>
-              <a:rPr lang="en-US" sz="1800" dirty="0">
-                <a:solidFill>
-                  <a:schemeClr val="bg1"/>
-                </a:solidFill>
-                <a:highlight>
-                  <a:srgbClr val="C0C0C0"/>
-                </a:highlight>
-              </a:rPr>
-              <a:t>Timeout</a:t>
-            </a:r>
-          </a:p>
-          <a:p>
-            <a:r>
-              <a:rPr lang="en-US" sz="1800" dirty="0">
-                <a:solidFill>
-                  <a:schemeClr val="bg1"/>
-                </a:solidFill>
-                <a:highlight>
-                  <a:srgbClr val="C0C0C0"/>
-                </a:highlight>
-              </a:rPr>
-              <a:t>Policies</a:t>
-            </a:r>
-          </a:p>
-        </p:txBody>
-      </p:sp>
-      <p:pic>
-        <p:nvPicPr>
-          <p:cNvPr id="4" name="Content Placeholder 3">
-            <a:extLst>
-              <a:ext uri="{FF2B5EF4-FFF2-40B4-BE49-F238E27FC236}">
-                <a16:creationId xmlns:a16="http://schemas.microsoft.com/office/drawing/2014/main" id="{7AF682F2-CE52-4129-911E-E2E95C651396}"/>
-              </a:ext>
-            </a:extLst>
-          </p:cNvPr>
-          <p:cNvPicPr>
-            <a:picLocks noChangeAspect="1"/>
-          </p:cNvPicPr>
-          <p:nvPr/>
-        </p:nvPicPr>
-        <p:blipFill>
-          <a:blip r:embed="rId2"/>
-          <a:stretch>
-            <a:fillRect/>
-          </a:stretch>
-        </p:blipFill>
-        <p:spPr>
-          <a:xfrm>
-            <a:off x="1313351" y="800945"/>
-            <a:ext cx="9559492" cy="2987343"/>
-          </a:xfrm>
-          <a:prstGeom prst="rect">
-            <a:avLst/>
-          </a:prstGeom>
-        </p:spPr>
-      </p:pic>
-    </p:spTree>
-    <p:extLst>
-      <p:ext uri="{BB962C8B-B14F-4D97-AF65-F5344CB8AC3E}">
-        <p14:creationId xmlns:p14="http://schemas.microsoft.com/office/powerpoint/2010/main" val="3786420275"/>
-      </p:ext>
-    </p:extLst>
-  </p:cSld>
-  <p:clrMapOvr>
-    <a:masterClrMapping/>
-  </p:clrMapOvr>
-</p:sld>
-</file>
-
-<file path=ppt/slides/slide19.xml><?xml version="1.0" encoding="utf-8"?>
-<p:sld xmlns:a="http://schemas.openxmlformats.org/drawingml/2006/main" xmlns:r="http://schemas.openxmlformats.org/officeDocument/2006/relationships" xmlns:p="http://schemas.openxmlformats.org/presentationml/2006/main">
-  <p:cSld>
-    <p:spTree>
-      <p:nvGrpSpPr>
-        <p:cNvPr id="1" name=""/>
-        <p:cNvGrpSpPr/>
-        <p:nvPr/>
-      </p:nvGrpSpPr>
-      <p:grpSpPr>
-        <a:xfrm>
-          <a:off x="0" y="0"/>
-          <a:ext cx="0" cy="0"/>
-          <a:chOff x="0" y="0"/>
-          <a:chExt cx="0" cy="0"/>
-        </a:xfrm>
-      </p:grpSpPr>
-    </p:spTree>
-    <p:extLst>
-      <p:ext uri="{BB962C8B-B14F-4D97-AF65-F5344CB8AC3E}">
-        <p14:creationId xmlns:p14="http://schemas.microsoft.com/office/powerpoint/2010/main" val="3103923131"/>
-      </p:ext>
-    </p:extLst>
-  </p:cSld>
-  <p:clrMapOvr>
-    <a:masterClrMapping/>
-  </p:clrMapOvr>
-</p:sld>
-</file>
-
-<file path=ppt/slides/slide2.xml><?xml version="1.0" encoding="utf-8"?>
-<p:sld xmlns:a="http://schemas.openxmlformats.org/drawingml/2006/main" xmlns:r="http://schemas.openxmlformats.org/officeDocument/2006/relationships" xmlns:p="http://schemas.openxmlformats.org/presentationml/2006/main">
-  <p:cSld>
-    <p:spTree>
-      <p:nvGrpSpPr>
-        <p:cNvPr id="1" name=""/>
-        <p:cNvGrpSpPr/>
-        <p:nvPr/>
-      </p:nvGrpSpPr>
-      <p:grpSpPr>
-        <a:xfrm>
-          <a:off x="0" y="0"/>
-          <a:ext cx="0" cy="0"/>
-          <a:chOff x="0" y="0"/>
-          <a:chExt cx="0" cy="0"/>
-        </a:xfrm>
-      </p:grpSpPr>
-      <p:sp>
-        <p:nvSpPr>
-          <p:cNvPr id="2" name="Title 1">
-            <a:extLst>
-              <a:ext uri="{FF2B5EF4-FFF2-40B4-BE49-F238E27FC236}">
-                <a16:creationId xmlns:a16="http://schemas.microsoft.com/office/drawing/2014/main" id="{245729F6-D8D5-4F44-975B-84D71A96C5DC}"/>
-              </a:ext>
-            </a:extLst>
-          </p:cNvPr>
-          <p:cNvSpPr>
-            <a:spLocks noGrp="1"/>
-          </p:cNvSpPr>
-          <p:nvPr>
-            <p:ph type="title"/>
-          </p:nvPr>
-        </p:nvSpPr>
-        <p:spPr/>
-        <p:txBody>
-          <a:bodyPr/>
-          <a:lstStyle/>
-          <a:p>
-            <a:r>
-              <a:rPr lang="en-US" dirty="0" err="1"/>
-              <a:t>github</a:t>
-            </a:r>
-            <a:endParaRPr lang="en-US" dirty="0"/>
-          </a:p>
-        </p:txBody>
-      </p:sp>
-      <p:sp>
-        <p:nvSpPr>
-          <p:cNvPr id="3" name="Content Placeholder 2">
-            <a:extLst>
-              <a:ext uri="{FF2B5EF4-FFF2-40B4-BE49-F238E27FC236}">
-                <a16:creationId xmlns:a16="http://schemas.microsoft.com/office/drawing/2014/main" id="{F989E717-4480-4367-8120-C4D46EABB24A}"/>
-              </a:ext>
-            </a:extLst>
-          </p:cNvPr>
-          <p:cNvSpPr>
-            <a:spLocks noGrp="1"/>
-          </p:cNvSpPr>
-          <p:nvPr>
-            <p:ph idx="1"/>
-          </p:nvPr>
-        </p:nvSpPr>
-        <p:spPr>
-          <a:xfrm>
-            <a:off x="913795" y="1732449"/>
-            <a:ext cx="10353762" cy="1525101"/>
-          </a:xfrm>
-        </p:spPr>
-        <p:txBody>
-          <a:bodyPr>
-            <a:normAutofit/>
-          </a:bodyPr>
-          <a:lstStyle/>
-          <a:p>
-            <a:r>
-              <a:rPr lang="en-US" sz="4000" dirty="0">
-                <a:hlinkClick r:id="rId2"/>
-              </a:rPr>
-              <a:t>https://github.com/curtisdarst/rcc2019/</a:t>
-            </a:r>
-            <a:endParaRPr lang="en-US" sz="4000" dirty="0"/>
-          </a:p>
-          <a:p>
-            <a:r>
-              <a:rPr lang="en-US" sz="4000" dirty="0"/>
-              <a:t>Secret key: rcc2019</a:t>
-            </a:r>
-          </a:p>
-        </p:txBody>
-      </p:sp>
-    </p:spTree>
-    <p:extLst>
-      <p:ext uri="{BB962C8B-B14F-4D97-AF65-F5344CB8AC3E}">
-        <p14:creationId xmlns:p14="http://schemas.microsoft.com/office/powerpoint/2010/main" val="757267813"/>
-      </p:ext>
-    </p:extLst>
-  </p:cSld>
-  <p:clrMapOvr>
-    <a:masterClrMapping/>
-  </p:clrMapOvr>
-</p:sld>
-</file>
-
-<file path=ppt/slides/slide20.xml><?xml version="1.0" encoding="utf-8"?>
-<p:sld xmlns:a="http://schemas.openxmlformats.org/drawingml/2006/main" xmlns:r="http://schemas.openxmlformats.org/officeDocument/2006/relationships" xmlns:p="http://schemas.openxmlformats.org/presentationml/2006/main">
-  <p:cSld>
-    <p:spTree>
-      <p:nvGrpSpPr>
-        <p:cNvPr id="1" name=""/>
-        <p:cNvGrpSpPr/>
-        <p:nvPr/>
-      </p:nvGrpSpPr>
-      <p:grpSpPr>
-        <a:xfrm>
-          <a:off x="0" y="0"/>
-          <a:ext cx="0" cy="0"/>
-          <a:chOff x="0" y="0"/>
-          <a:chExt cx="0" cy="0"/>
-        </a:xfrm>
-      </p:grpSpPr>
-      <p:sp>
-        <p:nvSpPr>
-          <p:cNvPr id="2" name="Title 1">
-            <a:extLst>
-              <a:ext uri="{FF2B5EF4-FFF2-40B4-BE49-F238E27FC236}">
-                <a16:creationId xmlns:a16="http://schemas.microsoft.com/office/drawing/2014/main" id="{291C42CF-C11C-4AE4-BF33-73FF986CD51B}"/>
-              </a:ext>
-            </a:extLst>
-          </p:cNvPr>
-          <p:cNvSpPr>
-            <a:spLocks noGrp="1"/>
-          </p:cNvSpPr>
-          <p:nvPr>
-            <p:ph type="title"/>
-          </p:nvPr>
-        </p:nvSpPr>
-        <p:spPr/>
-        <p:txBody>
-          <a:bodyPr/>
-          <a:lstStyle/>
-          <a:p>
-            <a:r>
-              <a:rPr lang="en-US" dirty="0"/>
-              <a:t>Demo #1</a:t>
-            </a:r>
-          </a:p>
-        </p:txBody>
-      </p:sp>
-      <p:sp>
-        <p:nvSpPr>
-          <p:cNvPr id="3" name="Content Placeholder 2">
-            <a:extLst>
-              <a:ext uri="{FF2B5EF4-FFF2-40B4-BE49-F238E27FC236}">
-                <a16:creationId xmlns:a16="http://schemas.microsoft.com/office/drawing/2014/main" id="{D78F34FB-92BD-4B18-80F8-76E214AC423E}"/>
-              </a:ext>
-            </a:extLst>
-          </p:cNvPr>
-          <p:cNvSpPr>
-            <a:spLocks noGrp="1"/>
-          </p:cNvSpPr>
-          <p:nvPr>
-            <p:ph idx="1"/>
-          </p:nvPr>
-        </p:nvSpPr>
-        <p:spPr/>
-        <p:txBody>
-          <a:bodyPr>
-            <a:normAutofit/>
-          </a:bodyPr>
-          <a:lstStyle/>
-          <a:p>
-            <a:r>
-              <a:rPr lang="en-US" sz="3600" dirty="0"/>
-              <a:t>Standard Web application</a:t>
-            </a:r>
-          </a:p>
-          <a:p>
-            <a:r>
-              <a:rPr lang="en-US" sz="3600" dirty="0"/>
-              <a:t>Talks to Database</a:t>
-            </a:r>
-          </a:p>
-          <a:p>
-            <a:r>
-              <a:rPr lang="en-US" sz="3600" dirty="0"/>
-              <a:t>Has images</a:t>
-            </a:r>
-          </a:p>
-          <a:p>
-            <a:r>
-              <a:rPr lang="en-US" sz="3600" dirty="0"/>
-              <a:t>Has Forms</a:t>
-            </a:r>
-          </a:p>
-          <a:p>
-            <a:r>
-              <a:rPr lang="en-US" sz="3600" dirty="0"/>
-              <a:t>Has Leaderboard</a:t>
-            </a:r>
-          </a:p>
-        </p:txBody>
-      </p:sp>
-      <p:sp>
-        <p:nvSpPr>
-          <p:cNvPr id="4" name="Content Placeholder 2">
-            <a:extLst>
-              <a:ext uri="{FF2B5EF4-FFF2-40B4-BE49-F238E27FC236}">
-                <a16:creationId xmlns:a16="http://schemas.microsoft.com/office/drawing/2014/main" id="{0111208E-B933-4619-8B58-DDC0BBC262AB}"/>
+                <a16:creationId xmlns:a16="http://schemas.microsoft.com/office/drawing/2014/main" id="{FDF1F91A-8241-4EBB-8A12-F0B25953CEB4}"/>
               </a:ext>
             </a:extLst>
           </p:cNvPr>
@@ -10063,7 +9006,7 @@
             </a:pPr>
             <a:r>
               <a:rPr lang="en-US" sz="4000" dirty="0">
-                <a:hlinkClick r:id="rId2"/>
+                <a:hlinkClick r:id="rId3"/>
               </a:rPr>
               <a:t>https://github.com/curtisdarst/rcc2019/</a:t>
             </a:r>
@@ -10083,7 +9026,7 @@
     </p:spTree>
     <p:extLst>
       <p:ext uri="{BB962C8B-B14F-4D97-AF65-F5344CB8AC3E}">
-        <p14:creationId xmlns:p14="http://schemas.microsoft.com/office/powerpoint/2010/main" val="2198207255"/>
+        <p14:creationId xmlns:p14="http://schemas.microsoft.com/office/powerpoint/2010/main" val="1631008843"/>
       </p:ext>
     </p:extLst>
   </p:cSld>
@@ -10093,7 +9036,669 @@
 </p:sld>
 </file>
 
-<file path=ppt/slides/slide21.xml><?xml version="1.0" encoding="utf-8"?>
+<file path=ppt/slides/slide13.xml><?xml version="1.0" encoding="utf-8"?>
+<p:sld xmlns:a="http://schemas.openxmlformats.org/drawingml/2006/main" xmlns:r="http://schemas.openxmlformats.org/officeDocument/2006/relationships" xmlns:p="http://schemas.openxmlformats.org/presentationml/2006/main">
+  <p:cSld>
+    <p:bg>
+      <p:bgPr>
+        <a:solidFill>
+          <a:schemeClr val="bg1"/>
+        </a:solidFill>
+        <a:effectLst/>
+      </p:bgPr>
+    </p:bg>
+    <p:spTree>
+      <p:nvGrpSpPr>
+        <p:cNvPr id="1" name=""/>
+        <p:cNvGrpSpPr/>
+        <p:nvPr/>
+      </p:nvGrpSpPr>
+      <p:grpSpPr>
+        <a:xfrm>
+          <a:off x="0" y="0"/>
+          <a:ext cx="0" cy="0"/>
+          <a:chOff x="0" y="0"/>
+          <a:chExt cx="0" cy="0"/>
+        </a:xfrm>
+      </p:grpSpPr>
+      <p:pic>
+        <p:nvPicPr>
+          <p:cNvPr id="5" name="Content Placeholder 4" descr="A screenshot of a cell phone&#10;&#10;Description automatically generated">
+            <a:extLst>
+              <a:ext uri="{FF2B5EF4-FFF2-40B4-BE49-F238E27FC236}">
+                <a16:creationId xmlns:a16="http://schemas.microsoft.com/office/drawing/2014/main" id="{9BE5A7E0-4D57-428E-8D39-2ADA851FA854}"/>
+              </a:ext>
+            </a:extLst>
+          </p:cNvPr>
+          <p:cNvPicPr>
+            <a:picLocks noGrp="1" noChangeAspect="1"/>
+          </p:cNvPicPr>
+          <p:nvPr>
+            <p:ph idx="1"/>
+          </p:nvPr>
+        </p:nvPicPr>
+        <p:blipFill>
+          <a:blip r:embed="rId2">
+            <a:extLst>
+              <a:ext uri="{28A0092B-C50C-407E-A947-70E740481C1C}">
+                <a14:useLocalDpi xmlns:a14="http://schemas.microsoft.com/office/drawing/2010/main" val="0"/>
+              </a:ext>
+            </a:extLst>
+          </a:blip>
+          <a:stretch>
+            <a:fillRect/>
+          </a:stretch>
+        </p:blipFill>
+        <p:spPr>
+          <a:xfrm>
+            <a:off x="2472859" y="643466"/>
+            <a:ext cx="7246282" cy="5571067"/>
+          </a:xfrm>
+          <a:prstGeom prst="rect">
+            <a:avLst/>
+          </a:prstGeom>
+        </p:spPr>
+      </p:pic>
+    </p:spTree>
+    <p:extLst>
+      <p:ext uri="{BB962C8B-B14F-4D97-AF65-F5344CB8AC3E}">
+        <p14:creationId xmlns:p14="http://schemas.microsoft.com/office/powerpoint/2010/main" val="3722866428"/>
+      </p:ext>
+    </p:extLst>
+  </p:cSld>
+  <p:clrMapOvr>
+    <a:masterClrMapping/>
+  </p:clrMapOvr>
+</p:sld>
+</file>
+
+<file path=ppt/slides/slide14.xml><?xml version="1.0" encoding="utf-8"?>
+<p:sld xmlns:a="http://schemas.openxmlformats.org/drawingml/2006/main" xmlns:r="http://schemas.openxmlformats.org/officeDocument/2006/relationships" xmlns:p="http://schemas.openxmlformats.org/presentationml/2006/main">
+  <p:cSld>
+    <p:bg>
+      <p:bgPr>
+        <a:solidFill>
+          <a:schemeClr val="bg1"/>
+        </a:solidFill>
+        <a:effectLst/>
+      </p:bgPr>
+    </p:bg>
+    <p:spTree>
+      <p:nvGrpSpPr>
+        <p:cNvPr id="1" name=""/>
+        <p:cNvGrpSpPr/>
+        <p:nvPr/>
+      </p:nvGrpSpPr>
+      <p:grpSpPr>
+        <a:xfrm>
+          <a:off x="0" y="0"/>
+          <a:ext cx="0" cy="0"/>
+          <a:chOff x="0" y="0"/>
+          <a:chExt cx="0" cy="0"/>
+        </a:xfrm>
+      </p:grpSpPr>
+      <p:pic>
+        <p:nvPicPr>
+          <p:cNvPr id="5" name="Content Placeholder 4" descr="A screenshot of a cell phone&#10;&#10;Description automatically generated">
+            <a:extLst>
+              <a:ext uri="{FF2B5EF4-FFF2-40B4-BE49-F238E27FC236}">
+                <a16:creationId xmlns:a16="http://schemas.microsoft.com/office/drawing/2014/main" id="{97EC8FE3-AE87-40A5-A785-F250F4D1AA2F}"/>
+              </a:ext>
+            </a:extLst>
+          </p:cNvPr>
+          <p:cNvPicPr>
+            <a:picLocks noGrp="1" noChangeAspect="1"/>
+          </p:cNvPicPr>
+          <p:nvPr>
+            <p:ph idx="1"/>
+          </p:nvPr>
+        </p:nvPicPr>
+        <p:blipFill>
+          <a:blip r:embed="rId2">
+            <a:extLst>
+              <a:ext uri="{28A0092B-C50C-407E-A947-70E740481C1C}">
+                <a14:useLocalDpi xmlns:a14="http://schemas.microsoft.com/office/drawing/2010/main" val="0"/>
+              </a:ext>
+            </a:extLst>
+          </a:blip>
+          <a:stretch>
+            <a:fillRect/>
+          </a:stretch>
+        </p:blipFill>
+        <p:spPr>
+          <a:xfrm>
+            <a:off x="2418014" y="643466"/>
+            <a:ext cx="7355971" cy="5571067"/>
+          </a:xfrm>
+          <a:prstGeom prst="rect">
+            <a:avLst/>
+          </a:prstGeom>
+        </p:spPr>
+      </p:pic>
+    </p:spTree>
+    <p:extLst>
+      <p:ext uri="{BB962C8B-B14F-4D97-AF65-F5344CB8AC3E}">
+        <p14:creationId xmlns:p14="http://schemas.microsoft.com/office/powerpoint/2010/main" val="4210562592"/>
+      </p:ext>
+    </p:extLst>
+  </p:cSld>
+  <p:clrMapOvr>
+    <a:masterClrMapping/>
+  </p:clrMapOvr>
+</p:sld>
+</file>
+
+<file path=ppt/slides/slide15.xml><?xml version="1.0" encoding="utf-8"?>
+<p:sld xmlns:a="http://schemas.openxmlformats.org/drawingml/2006/main" xmlns:r="http://schemas.openxmlformats.org/officeDocument/2006/relationships" xmlns:p="http://schemas.openxmlformats.org/presentationml/2006/main">
+  <p:cSld>
+    <p:bg>
+      <p:bgPr>
+        <a:solidFill>
+          <a:schemeClr val="bg1"/>
+        </a:solidFill>
+        <a:effectLst/>
+      </p:bgPr>
+    </p:bg>
+    <p:spTree>
+      <p:nvGrpSpPr>
+        <p:cNvPr id="1" name=""/>
+        <p:cNvGrpSpPr/>
+        <p:nvPr/>
+      </p:nvGrpSpPr>
+      <p:grpSpPr>
+        <a:xfrm>
+          <a:off x="0" y="0"/>
+          <a:ext cx="0" cy="0"/>
+          <a:chOff x="0" y="0"/>
+          <a:chExt cx="0" cy="0"/>
+        </a:xfrm>
+      </p:grpSpPr>
+      <p:pic>
+        <p:nvPicPr>
+          <p:cNvPr id="5" name="Content Placeholder 4" descr="A screenshot of a cell phone&#10;&#10;Description automatically generated">
+            <a:extLst>
+              <a:ext uri="{FF2B5EF4-FFF2-40B4-BE49-F238E27FC236}">
+                <a16:creationId xmlns:a16="http://schemas.microsoft.com/office/drawing/2014/main" id="{BAD8FDC1-492F-4201-9C47-D6591600AB93}"/>
+              </a:ext>
+            </a:extLst>
+          </p:cNvPr>
+          <p:cNvPicPr>
+            <a:picLocks noGrp="1" noChangeAspect="1"/>
+          </p:cNvPicPr>
+          <p:nvPr>
+            <p:ph idx="1"/>
+          </p:nvPr>
+        </p:nvPicPr>
+        <p:blipFill rotWithShape="1">
+          <a:blip r:embed="rId2">
+            <a:extLst>
+              <a:ext uri="{28A0092B-C50C-407E-A947-70E740481C1C}">
+                <a14:useLocalDpi xmlns:a14="http://schemas.microsoft.com/office/drawing/2010/main" val="0"/>
+              </a:ext>
+            </a:extLst>
+          </a:blip>
+          <a:srcRect b="5462"/>
+          <a:stretch/>
+        </p:blipFill>
+        <p:spPr>
+          <a:xfrm>
+            <a:off x="20" y="10"/>
+            <a:ext cx="12191980" cy="6857990"/>
+          </a:xfrm>
+          <a:prstGeom prst="rect">
+            <a:avLst/>
+          </a:prstGeom>
+        </p:spPr>
+      </p:pic>
+    </p:spTree>
+    <p:extLst>
+      <p:ext uri="{BB962C8B-B14F-4D97-AF65-F5344CB8AC3E}">
+        <p14:creationId xmlns:p14="http://schemas.microsoft.com/office/powerpoint/2010/main" val="2270736405"/>
+      </p:ext>
+    </p:extLst>
+  </p:cSld>
+  <p:clrMapOvr>
+    <a:masterClrMapping/>
+  </p:clrMapOvr>
+</p:sld>
+</file>
+
+<file path=ppt/slides/slide16.xml><?xml version="1.0" encoding="utf-8"?>
+<p:sld xmlns:a="http://schemas.openxmlformats.org/drawingml/2006/main" xmlns:r="http://schemas.openxmlformats.org/officeDocument/2006/relationships" xmlns:p="http://schemas.openxmlformats.org/presentationml/2006/main">
+  <p:cSld>
+    <p:bg>
+      <p:bgPr>
+        <a:solidFill>
+          <a:schemeClr val="bg1"/>
+        </a:solidFill>
+        <a:effectLst/>
+      </p:bgPr>
+    </p:bg>
+    <p:spTree>
+      <p:nvGrpSpPr>
+        <p:cNvPr id="1" name=""/>
+        <p:cNvGrpSpPr/>
+        <p:nvPr/>
+      </p:nvGrpSpPr>
+      <p:grpSpPr>
+        <a:xfrm>
+          <a:off x="0" y="0"/>
+          <a:ext cx="0" cy="0"/>
+          <a:chOff x="0" y="0"/>
+          <a:chExt cx="0" cy="0"/>
+        </a:xfrm>
+      </p:grpSpPr>
+      <p:pic>
+        <p:nvPicPr>
+          <p:cNvPr id="5" name="Content Placeholder 4" descr="A screenshot of a cell phone&#10;&#10;Description automatically generated">
+            <a:extLst>
+              <a:ext uri="{FF2B5EF4-FFF2-40B4-BE49-F238E27FC236}">
+                <a16:creationId xmlns:a16="http://schemas.microsoft.com/office/drawing/2014/main" id="{D9C0333C-9454-40D5-84ED-BC11E70F009D}"/>
+              </a:ext>
+            </a:extLst>
+          </p:cNvPr>
+          <p:cNvPicPr>
+            <a:picLocks noGrp="1" noChangeAspect="1"/>
+          </p:cNvPicPr>
+          <p:nvPr>
+            <p:ph idx="1"/>
+          </p:nvPr>
+        </p:nvPicPr>
+        <p:blipFill rotWithShape="1">
+          <a:blip r:embed="rId2">
+            <a:extLst>
+              <a:ext uri="{28A0092B-C50C-407E-A947-70E740481C1C}">
+                <a14:useLocalDpi xmlns:a14="http://schemas.microsoft.com/office/drawing/2010/main" val="0"/>
+              </a:ext>
+            </a:extLst>
+          </a:blip>
+          <a:srcRect t="1420" b="13353"/>
+          <a:stretch/>
+        </p:blipFill>
+        <p:spPr>
+          <a:xfrm>
+            <a:off x="20" y="10"/>
+            <a:ext cx="12191980" cy="6857990"/>
+          </a:xfrm>
+          <a:prstGeom prst="rect">
+            <a:avLst/>
+          </a:prstGeom>
+        </p:spPr>
+      </p:pic>
+    </p:spTree>
+    <p:extLst>
+      <p:ext uri="{BB962C8B-B14F-4D97-AF65-F5344CB8AC3E}">
+        <p14:creationId xmlns:p14="http://schemas.microsoft.com/office/powerpoint/2010/main" val="2403801737"/>
+      </p:ext>
+    </p:extLst>
+  </p:cSld>
+  <p:clrMapOvr>
+    <a:masterClrMapping/>
+  </p:clrMapOvr>
+</p:sld>
+</file>
+
+<file path=ppt/slides/slide17.xml><?xml version="1.0" encoding="utf-8"?>
+<p:sld xmlns:a="http://schemas.openxmlformats.org/drawingml/2006/main" xmlns:r="http://schemas.openxmlformats.org/officeDocument/2006/relationships" xmlns:p="http://schemas.openxmlformats.org/presentationml/2006/main">
+  <p:cSld>
+    <p:bg>
+      <p:bgPr>
+        <a:solidFill>
+          <a:schemeClr val="bg1"/>
+        </a:solidFill>
+        <a:effectLst/>
+      </p:bgPr>
+    </p:bg>
+    <p:spTree>
+      <p:nvGrpSpPr>
+        <p:cNvPr id="1" name=""/>
+        <p:cNvGrpSpPr/>
+        <p:nvPr/>
+      </p:nvGrpSpPr>
+      <p:grpSpPr>
+        <a:xfrm>
+          <a:off x="0" y="0"/>
+          <a:ext cx="0" cy="0"/>
+          <a:chOff x="0" y="0"/>
+          <a:chExt cx="0" cy="0"/>
+        </a:xfrm>
+      </p:grpSpPr>
+      <p:pic>
+        <p:nvPicPr>
+          <p:cNvPr id="5" name="Content Placeholder 4" descr="A screenshot of a cell phone screen with text&#10;&#10;Description automatically generated">
+            <a:extLst>
+              <a:ext uri="{FF2B5EF4-FFF2-40B4-BE49-F238E27FC236}">
+                <a16:creationId xmlns:a16="http://schemas.microsoft.com/office/drawing/2014/main" id="{3B706385-1D70-4FCE-BB96-C4C62A9B6261}"/>
+              </a:ext>
+            </a:extLst>
+          </p:cNvPr>
+          <p:cNvPicPr>
+            <a:picLocks noGrp="1" noChangeAspect="1"/>
+          </p:cNvPicPr>
+          <p:nvPr>
+            <p:ph idx="1"/>
+          </p:nvPr>
+        </p:nvPicPr>
+        <p:blipFill rotWithShape="1">
+          <a:blip r:embed="rId2">
+            <a:extLst>
+              <a:ext uri="{28A0092B-C50C-407E-A947-70E740481C1C}">
+                <a14:useLocalDpi xmlns:a14="http://schemas.microsoft.com/office/drawing/2010/main" val="0"/>
+              </a:ext>
+            </a:extLst>
+          </a:blip>
+          <a:srcRect/>
+          <a:stretch/>
+        </p:blipFill>
+        <p:spPr>
+          <a:xfrm>
+            <a:off x="20" y="10"/>
+            <a:ext cx="12191980" cy="6857990"/>
+          </a:xfrm>
+          <a:prstGeom prst="rect">
+            <a:avLst/>
+          </a:prstGeom>
+        </p:spPr>
+      </p:pic>
+    </p:spTree>
+    <p:extLst>
+      <p:ext uri="{BB962C8B-B14F-4D97-AF65-F5344CB8AC3E}">
+        <p14:creationId xmlns:p14="http://schemas.microsoft.com/office/powerpoint/2010/main" val="3034105933"/>
+      </p:ext>
+    </p:extLst>
+  </p:cSld>
+  <p:clrMapOvr>
+    <a:masterClrMapping/>
+  </p:clrMapOvr>
+</p:sld>
+</file>
+
+<file path=ppt/slides/slide18.xml><?xml version="1.0" encoding="utf-8"?>
+<p:sld xmlns:a="http://schemas.openxmlformats.org/drawingml/2006/main" xmlns:r="http://schemas.openxmlformats.org/officeDocument/2006/relationships" xmlns:p="http://schemas.openxmlformats.org/presentationml/2006/main">
+  <p:cSld>
+    <p:bg>
+      <p:bgPr>
+        <a:solidFill>
+          <a:schemeClr val="bg1"/>
+        </a:solidFill>
+        <a:effectLst/>
+      </p:bgPr>
+    </p:bg>
+    <p:spTree>
+      <p:nvGrpSpPr>
+        <p:cNvPr id="1" name=""/>
+        <p:cNvGrpSpPr/>
+        <p:nvPr/>
+      </p:nvGrpSpPr>
+      <p:grpSpPr>
+        <a:xfrm>
+          <a:off x="0" y="0"/>
+          <a:ext cx="0" cy="0"/>
+          <a:chOff x="0" y="0"/>
+          <a:chExt cx="0" cy="0"/>
+        </a:xfrm>
+      </p:grpSpPr>
+      <p:sp>
+        <p:nvSpPr>
+          <p:cNvPr id="2" name="Title 1">
+            <a:extLst>
+              <a:ext uri="{FF2B5EF4-FFF2-40B4-BE49-F238E27FC236}">
+                <a16:creationId xmlns:a16="http://schemas.microsoft.com/office/drawing/2014/main" id="{8CE0DC9F-91EE-4A40-B4E1-B3185323A1CB}"/>
+              </a:ext>
+            </a:extLst>
+          </p:cNvPr>
+          <p:cNvSpPr>
+            <a:spLocks noGrp="1"/>
+          </p:cNvSpPr>
+          <p:nvPr>
+            <p:ph type="title"/>
+          </p:nvPr>
+        </p:nvSpPr>
+        <p:spPr>
+          <a:xfrm>
+            <a:off x="648929" y="629266"/>
+            <a:ext cx="3651467" cy="1676603"/>
+          </a:xfrm>
+        </p:spPr>
+        <p:txBody>
+          <a:bodyPr>
+            <a:normAutofit/>
+          </a:bodyPr>
+          <a:lstStyle/>
+          <a:p>
+            <a:endParaRPr lang="en-US"/>
+          </a:p>
+        </p:txBody>
+      </p:sp>
+      <p:sp>
+        <p:nvSpPr>
+          <p:cNvPr id="9" name="Content Placeholder 8">
+            <a:extLst>
+              <a:ext uri="{FF2B5EF4-FFF2-40B4-BE49-F238E27FC236}">
+                <a16:creationId xmlns:a16="http://schemas.microsoft.com/office/drawing/2014/main" id="{3E070EC8-4A0E-495C-B06E-0BB003D32D23}"/>
+              </a:ext>
+            </a:extLst>
+          </p:cNvPr>
+          <p:cNvSpPr>
+            <a:spLocks noGrp="1"/>
+          </p:cNvSpPr>
+          <p:nvPr>
+            <p:ph idx="1"/>
+          </p:nvPr>
+        </p:nvSpPr>
+        <p:spPr>
+          <a:xfrm>
+            <a:off x="648931" y="2438400"/>
+            <a:ext cx="3651466" cy="3785419"/>
+          </a:xfrm>
+        </p:spPr>
+        <p:txBody>
+          <a:bodyPr>
+            <a:normAutofit/>
+          </a:bodyPr>
+          <a:lstStyle/>
+          <a:p>
+            <a:endParaRPr lang="en-US" sz="1800"/>
+          </a:p>
+        </p:txBody>
+      </p:sp>
+      <p:pic>
+        <p:nvPicPr>
+          <p:cNvPr id="5" name="Content Placeholder 4" descr="A screenshot of a computer screen&#10;&#10;Description automatically generated">
+            <a:extLst>
+              <a:ext uri="{FF2B5EF4-FFF2-40B4-BE49-F238E27FC236}">
+                <a16:creationId xmlns:a16="http://schemas.microsoft.com/office/drawing/2014/main" id="{8B957F82-12D4-4FAF-B7FB-85CC325AB669}"/>
+              </a:ext>
+            </a:extLst>
+          </p:cNvPr>
+          <p:cNvPicPr>
+            <a:picLocks noChangeAspect="1"/>
+          </p:cNvPicPr>
+          <p:nvPr/>
+        </p:nvPicPr>
+        <p:blipFill rotWithShape="1">
+          <a:blip r:embed="rId2">
+            <a:extLst>
+              <a:ext uri="{28A0092B-C50C-407E-A947-70E740481C1C}">
+                <a14:useLocalDpi xmlns:a14="http://schemas.microsoft.com/office/drawing/2010/main" val="0"/>
+              </a:ext>
+            </a:extLst>
+          </a:blip>
+          <a:srcRect t="3971" r="2" b="16142"/>
+          <a:stretch/>
+        </p:blipFill>
+        <p:spPr>
+          <a:xfrm>
+            <a:off x="4639056" y="10"/>
+            <a:ext cx="7552944" cy="6857990"/>
+          </a:xfrm>
+          <a:prstGeom prst="rect">
+            <a:avLst/>
+          </a:prstGeom>
+          <a:effectLst/>
+        </p:spPr>
+      </p:pic>
+    </p:spTree>
+    <p:extLst>
+      <p:ext uri="{BB962C8B-B14F-4D97-AF65-F5344CB8AC3E}">
+        <p14:creationId xmlns:p14="http://schemas.microsoft.com/office/powerpoint/2010/main" val="4060371151"/>
+      </p:ext>
+    </p:extLst>
+  </p:cSld>
+  <p:clrMapOvr>
+    <a:masterClrMapping/>
+  </p:clrMapOvr>
+</p:sld>
+</file>
+
+<file path=ppt/slides/slide19.xml><?xml version="1.0" encoding="utf-8"?>
+<p:sld xmlns:a="http://schemas.openxmlformats.org/drawingml/2006/main" xmlns:r="http://schemas.openxmlformats.org/officeDocument/2006/relationships" xmlns:p="http://schemas.openxmlformats.org/presentationml/2006/main">
+  <p:cSld>
+    <p:bg>
+      <p:bgPr>
+        <a:solidFill>
+          <a:schemeClr val="bg1"/>
+        </a:solidFill>
+        <a:effectLst/>
+      </p:bgPr>
+    </p:bg>
+    <p:spTree>
+      <p:nvGrpSpPr>
+        <p:cNvPr id="1" name=""/>
+        <p:cNvGrpSpPr/>
+        <p:nvPr/>
+      </p:nvGrpSpPr>
+      <p:grpSpPr>
+        <a:xfrm>
+          <a:off x="0" y="0"/>
+          <a:ext cx="0" cy="0"/>
+          <a:chOff x="0" y="0"/>
+          <a:chExt cx="0" cy="0"/>
+        </a:xfrm>
+      </p:grpSpPr>
+      <p:sp>
+        <p:nvSpPr>
+          <p:cNvPr id="2" name="Title 1">
+            <a:extLst>
+              <a:ext uri="{FF2B5EF4-FFF2-40B4-BE49-F238E27FC236}">
+                <a16:creationId xmlns:a16="http://schemas.microsoft.com/office/drawing/2014/main" id="{95579E19-410F-4F15-BB84-06CA942447DC}"/>
+              </a:ext>
+            </a:extLst>
+          </p:cNvPr>
+          <p:cNvSpPr>
+            <a:spLocks noGrp="1"/>
+          </p:cNvSpPr>
+          <p:nvPr>
+            <p:ph type="title"/>
+          </p:nvPr>
+        </p:nvSpPr>
+        <p:spPr>
+          <a:xfrm>
+            <a:off x="634276" y="4892358"/>
+            <a:ext cx="3766272" cy="1325563"/>
+          </a:xfrm>
+        </p:spPr>
+        <p:txBody>
+          <a:bodyPr>
+            <a:normAutofit/>
+          </a:bodyPr>
+          <a:lstStyle/>
+          <a:p>
+            <a:pPr algn="r"/>
+            <a:endParaRPr lang="en-US" sz="2400" dirty="0">
+              <a:solidFill>
+                <a:schemeClr val="bg1"/>
+              </a:solidFill>
+              <a:highlight>
+                <a:srgbClr val="C0C0C0"/>
+              </a:highlight>
+            </a:endParaRPr>
+          </a:p>
+        </p:txBody>
+      </p:sp>
+      <p:sp>
+        <p:nvSpPr>
+          <p:cNvPr id="10" name="Content Placeholder 7">
+            <a:extLst>
+              <a:ext uri="{FF2B5EF4-FFF2-40B4-BE49-F238E27FC236}">
+                <a16:creationId xmlns:a16="http://schemas.microsoft.com/office/drawing/2014/main" id="{F20A5F73-19F9-4A2B-BF93-77595EE1CD4F}"/>
+              </a:ext>
+            </a:extLst>
+          </p:cNvPr>
+          <p:cNvSpPr>
+            <a:spLocks noGrp="1"/>
+          </p:cNvSpPr>
+          <p:nvPr>
+            <p:ph idx="1"/>
+          </p:nvPr>
+        </p:nvSpPr>
+        <p:spPr>
+          <a:xfrm>
+            <a:off x="4878784" y="4824249"/>
+            <a:ext cx="6673136" cy="1461780"/>
+          </a:xfrm>
+        </p:spPr>
+        <p:txBody>
+          <a:bodyPr anchor="ctr">
+            <a:normAutofit/>
+          </a:bodyPr>
+          <a:lstStyle/>
+          <a:p>
+            <a:endParaRPr lang="en-US" sz="1800" dirty="0">
+              <a:solidFill>
+                <a:schemeClr val="bg1"/>
+              </a:solidFill>
+              <a:highlight>
+                <a:srgbClr val="C0C0C0"/>
+              </a:highlight>
+            </a:endParaRPr>
+          </a:p>
+        </p:txBody>
+      </p:sp>
+      <p:pic>
+        <p:nvPicPr>
+          <p:cNvPr id="4" name="Content Placeholder 3" descr="A screenshot of a cell phone&#10;&#10;Description automatically generated">
+            <a:extLst>
+              <a:ext uri="{FF2B5EF4-FFF2-40B4-BE49-F238E27FC236}">
+                <a16:creationId xmlns:a16="http://schemas.microsoft.com/office/drawing/2014/main" id="{2683F1E9-C130-4C36-81CF-36A5775019E9}"/>
+              </a:ext>
+            </a:extLst>
+          </p:cNvPr>
+          <p:cNvPicPr>
+            <a:picLocks noChangeAspect="1"/>
+          </p:cNvPicPr>
+          <p:nvPr/>
+        </p:nvPicPr>
+        <p:blipFill>
+          <a:blip r:embed="rId2"/>
+          <a:stretch>
+            <a:fillRect/>
+          </a:stretch>
+        </p:blipFill>
+        <p:spPr>
+          <a:xfrm>
+            <a:off x="1532271" y="800945"/>
+            <a:ext cx="9121653" cy="2987343"/>
+          </a:xfrm>
+          <a:prstGeom prst="rect">
+            <a:avLst/>
+          </a:prstGeom>
+        </p:spPr>
+      </p:pic>
+    </p:spTree>
+    <p:extLst>
+      <p:ext uri="{BB962C8B-B14F-4D97-AF65-F5344CB8AC3E}">
+        <p14:creationId xmlns:p14="http://schemas.microsoft.com/office/powerpoint/2010/main" val="3323020734"/>
+      </p:ext>
+    </p:extLst>
+  </p:cSld>
+  <p:clrMapOvr>
+    <a:masterClrMapping/>
+  </p:clrMapOvr>
+</p:sld>
+</file>
+
+<file path=ppt/slides/slide2.xml><?xml version="1.0" encoding="utf-8"?>
 <p:sld xmlns:a="http://schemas.openxmlformats.org/drawingml/2006/main" xmlns:r="http://schemas.openxmlformats.org/officeDocument/2006/relationships" xmlns:p="http://schemas.openxmlformats.org/presentationml/2006/main">
   <p:cSld>
     <p:spTree>
@@ -10110,12 +9715,50 @@
           <a:chExt cx="0" cy="0"/>
         </a:xfrm>
       </p:grpSpPr>
+    </p:spTree>
+    <p:extLst>
+      <p:ext uri="{BB962C8B-B14F-4D97-AF65-F5344CB8AC3E}">
+        <p14:creationId xmlns:p14="http://schemas.microsoft.com/office/powerpoint/2010/main" val="3654573351"/>
+      </p:ext>
+    </p:extLst>
+  </p:cSld>
+  <p:clrMapOvr>
+    <a:masterClrMapping/>
+  </p:clrMapOvr>
+</p:sld>
+</file>
+
+<file path=ppt/slides/slide20.xml><?xml version="1.0" encoding="utf-8"?>
+<p:sld xmlns:a="http://schemas.openxmlformats.org/drawingml/2006/main" xmlns:r="http://schemas.openxmlformats.org/officeDocument/2006/relationships" xmlns:p="http://schemas.openxmlformats.org/presentationml/2006/main">
+  <p:cSld>
+    <p:bg>
+      <p:bgPr>
+        <a:solidFill>
+          <a:schemeClr val="bg1"/>
+        </a:solidFill>
+        <a:effectLst/>
+      </p:bgPr>
+    </p:bg>
+    <p:spTree>
+      <p:nvGrpSpPr>
+        <p:cNvPr id="1" name=""/>
+        <p:cNvGrpSpPr/>
+        <p:nvPr/>
+      </p:nvGrpSpPr>
+      <p:grpSpPr>
+        <a:xfrm>
+          <a:off x="0" y="0"/>
+          <a:ext cx="0" cy="0"/>
+          <a:chOff x="0" y="0"/>
+          <a:chExt cx="0" cy="0"/>
+        </a:xfrm>
+      </p:grpSpPr>
       <p:sp>
         <p:nvSpPr>
           <p:cNvPr id="2" name="Title 1">
             <a:extLst>
               <a:ext uri="{FF2B5EF4-FFF2-40B4-BE49-F238E27FC236}">
-                <a16:creationId xmlns:a16="http://schemas.microsoft.com/office/drawing/2014/main" id="{83BBB377-0E0A-483D-AEC7-08D2C6B573AB}"/>
+                <a16:creationId xmlns:a16="http://schemas.microsoft.com/office/drawing/2014/main" id="{9CA23737-A948-44C0-AABA-87888AB1FDCD}"/>
               </a:ext>
             </a:extLst>
           </p:cNvPr>
@@ -10126,24 +9769,31 @@
             <p:ph type="title"/>
           </p:nvPr>
         </p:nvSpPr>
-        <p:spPr/>
-        <p:txBody>
-          <a:bodyPr/>
+        <p:spPr>
+          <a:xfrm>
+            <a:off x="8471424" y="1110882"/>
+            <a:ext cx="3053039" cy="1293626"/>
+          </a:xfrm>
+        </p:spPr>
+        <p:txBody>
+          <a:bodyPr anchor="ctr">
+            <a:normAutofit/>
+          </a:bodyPr>
           <a:lstStyle/>
           <a:p>
             <a:r>
-              <a:rPr lang="en-US" dirty="0"/>
-              <a:t>Demo #2</a:t>
-            </a:r>
-          </a:p>
-        </p:txBody>
-      </p:sp>
-      <p:sp>
-        <p:nvSpPr>
-          <p:cNvPr id="3" name="Content Placeholder 2">
+              <a:rPr lang="en-US" sz="1800" dirty="0"/>
+              <a:t>Lambda Memory Settings</a:t>
+            </a:r>
+          </a:p>
+        </p:txBody>
+      </p:sp>
+      <p:sp>
+        <p:nvSpPr>
+          <p:cNvPr id="8" name="Content Placeholder 7">
             <a:extLst>
               <a:ext uri="{FF2B5EF4-FFF2-40B4-BE49-F238E27FC236}">
-                <a16:creationId xmlns:a16="http://schemas.microsoft.com/office/drawing/2014/main" id="{EAA57C7B-1FD8-4273-AE79-9AC02099B5FD}"/>
+                <a16:creationId xmlns:a16="http://schemas.microsoft.com/office/drawing/2014/main" id="{250AFEB5-969E-4B5D-B1E1-7147938395F2}"/>
               </a:ext>
             </a:extLst>
           </p:cNvPr>
@@ -10154,34 +9804,452 @@
             <p:ph idx="1"/>
           </p:nvPr>
         </p:nvSpPr>
-        <p:spPr/>
+        <p:spPr>
+          <a:xfrm>
+            <a:off x="8471423" y="2542939"/>
+            <a:ext cx="3053039" cy="3674981"/>
+          </a:xfrm>
+        </p:spPr>
         <p:txBody>
           <a:bodyPr>
             <a:normAutofit/>
           </a:bodyPr>
           <a:lstStyle/>
           <a:p>
-            <a:r>
-              <a:rPr lang="en-US" sz="4000" dirty="0"/>
-              <a:t>Typical API</a:t>
-            </a:r>
-          </a:p>
-          <a:p>
-            <a:r>
-              <a:rPr lang="en-US" sz="4000" dirty="0"/>
-              <a:t>Use Postman to test</a:t>
-            </a:r>
-          </a:p>
-          <a:p>
-            <a:r>
-              <a:rPr lang="en-US" sz="4000" dirty="0"/>
-              <a:t>Access Keys to test</a:t>
-            </a:r>
-          </a:p>
-          <a:p>
-            <a:r>
-              <a:rPr lang="en-US" sz="4000" dirty="0"/>
-              <a:t>Please be kind</a:t>
+            <a:pPr marL="0" indent="0">
+              <a:buNone/>
+            </a:pPr>
+            <a:r>
+              <a:rPr lang="en-US" sz="1800" dirty="0"/>
+              <a:t>The Lambda Memory Setting</a:t>
+            </a:r>
+          </a:p>
+          <a:p>
+            <a:r>
+              <a:rPr lang="en-US" sz="1800" dirty="0"/>
+              <a:t>Controls the amount of CPU</a:t>
+            </a:r>
+          </a:p>
+          <a:p>
+            <a:r>
+              <a:rPr lang="en-US" sz="1800" dirty="0"/>
+              <a:t>Will affect timeout</a:t>
+            </a:r>
+          </a:p>
+          <a:p>
+            <a:r>
+              <a:rPr lang="en-US" sz="1800" dirty="0"/>
+              <a:t>Larger projects will need this increased</a:t>
+            </a:r>
+          </a:p>
+          <a:p>
+            <a:r>
+              <a:rPr lang="en-US" sz="1800" dirty="0"/>
+              <a:t>Test different settings for best results</a:t>
+            </a:r>
+          </a:p>
+        </p:txBody>
+      </p:sp>
+      <p:pic>
+        <p:nvPicPr>
+          <p:cNvPr id="4" name="Content Placeholder 3">
+            <a:extLst>
+              <a:ext uri="{FF2B5EF4-FFF2-40B4-BE49-F238E27FC236}">
+                <a16:creationId xmlns:a16="http://schemas.microsoft.com/office/drawing/2014/main" id="{8AAEC2F0-3E1C-4AFD-A3EE-74C4083DCFFA}"/>
+              </a:ext>
+            </a:extLst>
+          </p:cNvPr>
+          <p:cNvPicPr>
+            <a:picLocks noChangeAspect="1"/>
+          </p:cNvPicPr>
+          <p:nvPr/>
+        </p:nvPicPr>
+        <p:blipFill>
+          <a:blip r:embed="rId2"/>
+          <a:stretch>
+            <a:fillRect/>
+          </a:stretch>
+        </p:blipFill>
+        <p:spPr>
+          <a:xfrm>
+            <a:off x="795141" y="1693575"/>
+            <a:ext cx="6739513" cy="3470849"/>
+          </a:xfrm>
+          <a:prstGeom prst="rect">
+            <a:avLst/>
+          </a:prstGeom>
+        </p:spPr>
+      </p:pic>
+    </p:spTree>
+    <p:extLst>
+      <p:ext uri="{BB962C8B-B14F-4D97-AF65-F5344CB8AC3E}">
+        <p14:creationId xmlns:p14="http://schemas.microsoft.com/office/powerpoint/2010/main" val="4099095976"/>
+      </p:ext>
+    </p:extLst>
+  </p:cSld>
+  <p:clrMapOvr>
+    <a:masterClrMapping/>
+  </p:clrMapOvr>
+</p:sld>
+</file>
+
+<file path=ppt/slides/slide21.xml><?xml version="1.0" encoding="utf-8"?>
+<p:sld xmlns:a="http://schemas.openxmlformats.org/drawingml/2006/main" xmlns:r="http://schemas.openxmlformats.org/officeDocument/2006/relationships" xmlns:p="http://schemas.openxmlformats.org/presentationml/2006/main">
+  <p:cSld>
+    <p:bg>
+      <p:bgPr>
+        <a:solidFill>
+          <a:schemeClr val="bg1"/>
+        </a:solidFill>
+        <a:effectLst/>
+      </p:bgPr>
+    </p:bg>
+    <p:spTree>
+      <p:nvGrpSpPr>
+        <p:cNvPr id="1" name=""/>
+        <p:cNvGrpSpPr/>
+        <p:nvPr/>
+      </p:nvGrpSpPr>
+      <p:grpSpPr>
+        <a:xfrm>
+          <a:off x="0" y="0"/>
+          <a:ext cx="0" cy="0"/>
+          <a:chOff x="0" y="0"/>
+          <a:chExt cx="0" cy="0"/>
+        </a:xfrm>
+      </p:grpSpPr>
+      <p:sp>
+        <p:nvSpPr>
+          <p:cNvPr id="2" name="Title 1">
+            <a:extLst>
+              <a:ext uri="{FF2B5EF4-FFF2-40B4-BE49-F238E27FC236}">
+                <a16:creationId xmlns:a16="http://schemas.microsoft.com/office/drawing/2014/main" id="{C2105D7A-0C49-4F74-AB7B-4DB550669F0D}"/>
+              </a:ext>
+            </a:extLst>
+          </p:cNvPr>
+          <p:cNvSpPr>
+            <a:spLocks noGrp="1"/>
+          </p:cNvSpPr>
+          <p:nvPr>
+            <p:ph type="title"/>
+          </p:nvPr>
+        </p:nvSpPr>
+        <p:spPr>
+          <a:xfrm>
+            <a:off x="634276" y="4892358"/>
+            <a:ext cx="3766272" cy="1325563"/>
+          </a:xfrm>
+        </p:spPr>
+        <p:txBody>
+          <a:bodyPr>
+            <a:normAutofit/>
+          </a:bodyPr>
+          <a:lstStyle/>
+          <a:p>
+            <a:pPr algn="r"/>
+            <a:r>
+              <a:rPr lang="en-US" sz="2400" dirty="0" err="1">
+                <a:solidFill>
+                  <a:schemeClr val="bg1"/>
+                </a:solidFill>
+                <a:highlight>
+                  <a:srgbClr val="C0C0C0"/>
+                </a:highlight>
+              </a:rPr>
+              <a:t>Serverless.template</a:t>
+            </a:r>
+            <a:endParaRPr lang="en-US" sz="2400" dirty="0">
+              <a:solidFill>
+                <a:schemeClr val="bg1"/>
+              </a:solidFill>
+              <a:highlight>
+                <a:srgbClr val="C0C0C0"/>
+              </a:highlight>
+            </a:endParaRPr>
+          </a:p>
+        </p:txBody>
+      </p:sp>
+      <p:sp>
+        <p:nvSpPr>
+          <p:cNvPr id="8" name="Content Placeholder 7">
+            <a:extLst>
+              <a:ext uri="{FF2B5EF4-FFF2-40B4-BE49-F238E27FC236}">
+                <a16:creationId xmlns:a16="http://schemas.microsoft.com/office/drawing/2014/main" id="{82DC0ED8-E3E0-4D00-AE13-2693CBC9D13C}"/>
+              </a:ext>
+            </a:extLst>
+          </p:cNvPr>
+          <p:cNvSpPr>
+            <a:spLocks noGrp="1"/>
+          </p:cNvSpPr>
+          <p:nvPr>
+            <p:ph idx="1"/>
+          </p:nvPr>
+        </p:nvSpPr>
+        <p:spPr>
+          <a:xfrm>
+            <a:off x="4878784" y="4824249"/>
+            <a:ext cx="6673136" cy="1461780"/>
+          </a:xfrm>
+        </p:spPr>
+        <p:txBody>
+          <a:bodyPr anchor="ctr">
+            <a:normAutofit fontScale="77500" lnSpcReduction="20000"/>
+          </a:bodyPr>
+          <a:lstStyle/>
+          <a:p>
+            <a:r>
+              <a:rPr lang="en-US" sz="1800" dirty="0">
+                <a:solidFill>
+                  <a:schemeClr val="bg1"/>
+                </a:solidFill>
+                <a:highlight>
+                  <a:srgbClr val="C0C0C0"/>
+                </a:highlight>
+              </a:rPr>
+              <a:t>Changes to Lambda Function in code</a:t>
+            </a:r>
+          </a:p>
+          <a:p>
+            <a:r>
+              <a:rPr lang="en-US" sz="1800" dirty="0">
+                <a:solidFill>
+                  <a:schemeClr val="bg1"/>
+                </a:solidFill>
+                <a:highlight>
+                  <a:srgbClr val="C0C0C0"/>
+                </a:highlight>
+              </a:rPr>
+              <a:t>Runtime</a:t>
+            </a:r>
+          </a:p>
+          <a:p>
+            <a:r>
+              <a:rPr lang="en-US" sz="1800" dirty="0">
+                <a:solidFill>
+                  <a:schemeClr val="bg1"/>
+                </a:solidFill>
+                <a:highlight>
+                  <a:srgbClr val="C0C0C0"/>
+                </a:highlight>
+              </a:rPr>
+              <a:t>Memory/</a:t>
+            </a:r>
+            <a:r>
+              <a:rPr lang="en-US" sz="1800" dirty="0" err="1">
+                <a:solidFill>
+                  <a:schemeClr val="bg1"/>
+                </a:solidFill>
+                <a:highlight>
+                  <a:srgbClr val="C0C0C0"/>
+                </a:highlight>
+              </a:rPr>
+              <a:t>cpu</a:t>
+            </a:r>
+            <a:endParaRPr lang="en-US" sz="1800" dirty="0">
+              <a:solidFill>
+                <a:schemeClr val="bg1"/>
+              </a:solidFill>
+              <a:highlight>
+                <a:srgbClr val="C0C0C0"/>
+              </a:highlight>
+            </a:endParaRPr>
+          </a:p>
+          <a:p>
+            <a:r>
+              <a:rPr lang="en-US" sz="1800" dirty="0">
+                <a:solidFill>
+                  <a:schemeClr val="bg1"/>
+                </a:solidFill>
+                <a:highlight>
+                  <a:srgbClr val="C0C0C0"/>
+                </a:highlight>
+              </a:rPr>
+              <a:t>Timeout</a:t>
+            </a:r>
+          </a:p>
+          <a:p>
+            <a:r>
+              <a:rPr lang="en-US" sz="1800" dirty="0">
+                <a:solidFill>
+                  <a:schemeClr val="bg1"/>
+                </a:solidFill>
+                <a:highlight>
+                  <a:srgbClr val="C0C0C0"/>
+                </a:highlight>
+              </a:rPr>
+              <a:t>Policies</a:t>
+            </a:r>
+          </a:p>
+        </p:txBody>
+      </p:sp>
+      <p:pic>
+        <p:nvPicPr>
+          <p:cNvPr id="4" name="Content Placeholder 3">
+            <a:extLst>
+              <a:ext uri="{FF2B5EF4-FFF2-40B4-BE49-F238E27FC236}">
+                <a16:creationId xmlns:a16="http://schemas.microsoft.com/office/drawing/2014/main" id="{7AF682F2-CE52-4129-911E-E2E95C651396}"/>
+              </a:ext>
+            </a:extLst>
+          </p:cNvPr>
+          <p:cNvPicPr>
+            <a:picLocks noChangeAspect="1"/>
+          </p:cNvPicPr>
+          <p:nvPr/>
+        </p:nvPicPr>
+        <p:blipFill>
+          <a:blip r:embed="rId2"/>
+          <a:stretch>
+            <a:fillRect/>
+          </a:stretch>
+        </p:blipFill>
+        <p:spPr>
+          <a:xfrm>
+            <a:off x="1313351" y="800945"/>
+            <a:ext cx="9559492" cy="2987343"/>
+          </a:xfrm>
+          <a:prstGeom prst="rect">
+            <a:avLst/>
+          </a:prstGeom>
+        </p:spPr>
+      </p:pic>
+    </p:spTree>
+    <p:extLst>
+      <p:ext uri="{BB962C8B-B14F-4D97-AF65-F5344CB8AC3E}">
+        <p14:creationId xmlns:p14="http://schemas.microsoft.com/office/powerpoint/2010/main" val="3786420275"/>
+      </p:ext>
+    </p:extLst>
+  </p:cSld>
+  <p:clrMapOvr>
+    <a:masterClrMapping/>
+  </p:clrMapOvr>
+</p:sld>
+</file>
+
+<file path=ppt/slides/slide22.xml><?xml version="1.0" encoding="utf-8"?>
+<p:sld xmlns:a="http://schemas.openxmlformats.org/drawingml/2006/main" xmlns:r="http://schemas.openxmlformats.org/officeDocument/2006/relationships" xmlns:p="http://schemas.openxmlformats.org/presentationml/2006/main">
+  <p:cSld>
+    <p:spTree>
+      <p:nvGrpSpPr>
+        <p:cNvPr id="1" name=""/>
+        <p:cNvGrpSpPr/>
+        <p:nvPr/>
+      </p:nvGrpSpPr>
+      <p:grpSpPr>
+        <a:xfrm>
+          <a:off x="0" y="0"/>
+          <a:ext cx="0" cy="0"/>
+          <a:chOff x="0" y="0"/>
+          <a:chExt cx="0" cy="0"/>
+        </a:xfrm>
+      </p:grpSpPr>
+    </p:spTree>
+    <p:extLst>
+      <p:ext uri="{BB962C8B-B14F-4D97-AF65-F5344CB8AC3E}">
+        <p14:creationId xmlns:p14="http://schemas.microsoft.com/office/powerpoint/2010/main" val="3103923131"/>
+      </p:ext>
+    </p:extLst>
+  </p:cSld>
+  <p:clrMapOvr>
+    <a:masterClrMapping/>
+  </p:clrMapOvr>
+</p:sld>
+</file>
+
+<file path=ppt/slides/slide23.xml><?xml version="1.0" encoding="utf-8"?>
+<p:sld xmlns:a="http://schemas.openxmlformats.org/drawingml/2006/main" xmlns:r="http://schemas.openxmlformats.org/officeDocument/2006/relationships" xmlns:p="http://schemas.openxmlformats.org/presentationml/2006/main">
+  <p:cSld>
+    <p:spTree>
+      <p:nvGrpSpPr>
+        <p:cNvPr id="1" name=""/>
+        <p:cNvGrpSpPr/>
+        <p:nvPr/>
+      </p:nvGrpSpPr>
+      <p:grpSpPr>
+        <a:xfrm>
+          <a:off x="0" y="0"/>
+          <a:ext cx="0" cy="0"/>
+          <a:chOff x="0" y="0"/>
+          <a:chExt cx="0" cy="0"/>
+        </a:xfrm>
+      </p:grpSpPr>
+      <p:sp>
+        <p:nvSpPr>
+          <p:cNvPr id="2" name="Title 1">
+            <a:extLst>
+              <a:ext uri="{FF2B5EF4-FFF2-40B4-BE49-F238E27FC236}">
+                <a16:creationId xmlns:a16="http://schemas.microsoft.com/office/drawing/2014/main" id="{291C42CF-C11C-4AE4-BF33-73FF986CD51B}"/>
+              </a:ext>
+            </a:extLst>
+          </p:cNvPr>
+          <p:cNvSpPr>
+            <a:spLocks noGrp="1"/>
+          </p:cNvSpPr>
+          <p:nvPr>
+            <p:ph type="title"/>
+          </p:nvPr>
+        </p:nvSpPr>
+        <p:spPr/>
+        <p:txBody>
+          <a:bodyPr/>
+          <a:lstStyle/>
+          <a:p>
+            <a:r>
+              <a:rPr lang="en-US" dirty="0"/>
+              <a:t>Demo #1</a:t>
+            </a:r>
+          </a:p>
+        </p:txBody>
+      </p:sp>
+      <p:sp>
+        <p:nvSpPr>
+          <p:cNvPr id="3" name="Content Placeholder 2">
+            <a:extLst>
+              <a:ext uri="{FF2B5EF4-FFF2-40B4-BE49-F238E27FC236}">
+                <a16:creationId xmlns:a16="http://schemas.microsoft.com/office/drawing/2014/main" id="{D78F34FB-92BD-4B18-80F8-76E214AC423E}"/>
+              </a:ext>
+            </a:extLst>
+          </p:cNvPr>
+          <p:cNvSpPr>
+            <a:spLocks noGrp="1"/>
+          </p:cNvSpPr>
+          <p:nvPr>
+            <p:ph idx="1"/>
+          </p:nvPr>
+        </p:nvSpPr>
+        <p:spPr/>
+        <p:txBody>
+          <a:bodyPr>
+            <a:normAutofit/>
+          </a:bodyPr>
+          <a:lstStyle/>
+          <a:p>
+            <a:r>
+              <a:rPr lang="en-US" sz="3600" dirty="0"/>
+              <a:t>Standard Web application</a:t>
+            </a:r>
+          </a:p>
+          <a:p>
+            <a:r>
+              <a:rPr lang="en-US" sz="3600" dirty="0"/>
+              <a:t>Talks to Database</a:t>
+            </a:r>
+          </a:p>
+          <a:p>
+            <a:r>
+              <a:rPr lang="en-US" sz="3600" dirty="0"/>
+              <a:t>Has images</a:t>
+            </a:r>
+          </a:p>
+          <a:p>
+            <a:r>
+              <a:rPr lang="en-US" sz="3600" dirty="0"/>
+              <a:t>Has Forms</a:t>
+            </a:r>
+          </a:p>
+          <a:p>
+            <a:r>
+              <a:rPr lang="en-US" sz="3600" dirty="0"/>
+              <a:t>Has Leaderboard</a:t>
             </a:r>
           </a:p>
         </p:txBody>
@@ -10191,7 +10259,7 @@
           <p:cNvPr id="4" name="Content Placeholder 2">
             <a:extLst>
               <a:ext uri="{FF2B5EF4-FFF2-40B4-BE49-F238E27FC236}">
-                <a16:creationId xmlns:a16="http://schemas.microsoft.com/office/drawing/2014/main" id="{C54C7B59-B57A-487A-8D68-A89B39320551}"/>
+                <a16:creationId xmlns:a16="http://schemas.microsoft.com/office/drawing/2014/main" id="{0111208E-B933-4619-8B58-DDC0BBC262AB}"/>
               </a:ext>
             </a:extLst>
           </p:cNvPr>
@@ -10590,7 +10658,7 @@
     </p:spTree>
     <p:extLst>
       <p:ext uri="{BB962C8B-B14F-4D97-AF65-F5344CB8AC3E}">
-        <p14:creationId xmlns:p14="http://schemas.microsoft.com/office/powerpoint/2010/main" val="2303246872"/>
+        <p14:creationId xmlns:p14="http://schemas.microsoft.com/office/powerpoint/2010/main" val="2198207255"/>
       </p:ext>
     </p:extLst>
   </p:cSld>
@@ -10600,7 +10668,7 @@
 </p:sld>
 </file>
 
-<file path=ppt/slides/slide22.xml><?xml version="1.0" encoding="utf-8"?>
+<file path=ppt/slides/slide24.xml><?xml version="1.0" encoding="utf-8"?>
 <p:sld xmlns:a="http://schemas.openxmlformats.org/drawingml/2006/main" xmlns:r="http://schemas.openxmlformats.org/officeDocument/2006/relationships" xmlns:p="http://schemas.openxmlformats.org/presentationml/2006/main">
   <p:cSld>
     <p:spTree>
@@ -10622,7 +10690,7 @@
           <p:cNvPr id="2" name="Title 1">
             <a:extLst>
               <a:ext uri="{FF2B5EF4-FFF2-40B4-BE49-F238E27FC236}">
-                <a16:creationId xmlns:a16="http://schemas.microsoft.com/office/drawing/2014/main" id="{245729F6-D8D5-4F44-975B-84D71A96C5DC}"/>
+                <a16:creationId xmlns:a16="http://schemas.microsoft.com/office/drawing/2014/main" id="{83BBB377-0E0A-483D-AEC7-08D2C6B573AB}"/>
               </a:ext>
             </a:extLst>
           </p:cNvPr>
@@ -10639,10 +10707,9 @@
           <a:lstStyle/>
           <a:p>
             <a:r>
-              <a:rPr lang="en-US" dirty="0" err="1"/>
-              <a:t>github</a:t>
-            </a:r>
-            <a:endParaRPr lang="en-US" dirty="0"/>
+              <a:rPr lang="en-US" dirty="0"/>
+              <a:t>Demo #2</a:t>
+            </a:r>
           </a:p>
         </p:txBody>
       </p:sp>
@@ -10651,7 +10718,7 @@
           <p:cNvPr id="3" name="Content Placeholder 2">
             <a:extLst>
               <a:ext uri="{FF2B5EF4-FFF2-40B4-BE49-F238E27FC236}">
-                <a16:creationId xmlns:a16="http://schemas.microsoft.com/office/drawing/2014/main" id="{F989E717-4480-4367-8120-C4D46EABB24A}"/>
+                <a16:creationId xmlns:a16="http://schemas.microsoft.com/office/drawing/2014/main" id="{EAA57C7B-1FD8-4273-AE79-9AC02099B5FD}"/>
               </a:ext>
             </a:extLst>
           </p:cNvPr>
@@ -10662,351 +10729,7 @@
             <p:ph idx="1"/>
           </p:nvPr>
         </p:nvSpPr>
-        <p:spPr>
-          <a:xfrm>
-            <a:off x="913795" y="1732449"/>
-            <a:ext cx="10353762" cy="1525101"/>
-          </a:xfrm>
-        </p:spPr>
-        <p:txBody>
-          <a:bodyPr>
-            <a:normAutofit fontScale="70000" lnSpcReduction="20000"/>
-          </a:bodyPr>
-          <a:lstStyle/>
-          <a:p>
-            <a:r>
-              <a:rPr lang="en-US" sz="4000" dirty="0">
-                <a:hlinkClick r:id="rId2"/>
-              </a:rPr>
-              <a:t>https://github.com/curtisdarst/rcc2019/</a:t>
-            </a:r>
-            <a:endParaRPr lang="en-US" sz="4000" dirty="0"/>
-          </a:p>
-          <a:p>
-            <a:r>
-              <a:rPr lang="en-US" sz="4000" dirty="0"/>
-              <a:t>Secret key: rcc2019</a:t>
-            </a:r>
-          </a:p>
-          <a:p>
-            <a:r>
-              <a:rPr lang="en-US" sz="4000" dirty="0"/>
-              <a:t>*hint </a:t>
-            </a:r>
-            <a:r>
-              <a:rPr lang="en-US" sz="4000" dirty="0" err="1"/>
-              <a:t>hint</a:t>
-            </a:r>
-            <a:r>
-              <a:rPr lang="en-US" sz="4000" dirty="0"/>
-              <a:t> </a:t>
-            </a:r>
-            <a:r>
-              <a:rPr lang="en-US" sz="4000" dirty="0" err="1"/>
-              <a:t>hint</a:t>
-            </a:r>
-            <a:r>
-              <a:rPr lang="en-US" sz="4000" dirty="0"/>
-              <a:t> what workout </a:t>
-            </a:r>
-            <a:r>
-              <a:rPr lang="en-US" sz="4000"/>
-              <a:t>for rcc2019?*</a:t>
-            </a:r>
-            <a:endParaRPr lang="en-US" sz="4000" dirty="0"/>
-          </a:p>
-          <a:p>
-            <a:endParaRPr lang="en-US" sz="4000" dirty="0"/>
-          </a:p>
-          <a:p>
-            <a:pPr marL="36900" indent="0">
-              <a:buNone/>
-            </a:pPr>
-            <a:endParaRPr lang="en-US" sz="4000" dirty="0"/>
-          </a:p>
-        </p:txBody>
-      </p:sp>
-      <p:sp>
-        <p:nvSpPr>
-          <p:cNvPr id="4" name="TextBox 3">
-            <a:extLst>
-              <a:ext uri="{FF2B5EF4-FFF2-40B4-BE49-F238E27FC236}">
-                <a16:creationId xmlns:a16="http://schemas.microsoft.com/office/drawing/2014/main" id="{D5ED05CD-82A5-4818-91D7-1EA91D5431D9}"/>
-              </a:ext>
-            </a:extLst>
-          </p:cNvPr>
-          <p:cNvSpPr txBox="1"/>
-          <p:nvPr/>
-        </p:nvSpPr>
-        <p:spPr>
-          <a:xfrm>
-            <a:off x="1102936" y="3516198"/>
-            <a:ext cx="9709608" cy="923330"/>
-          </a:xfrm>
-          <a:prstGeom prst="rect">
-            <a:avLst/>
-          </a:prstGeom>
-          <a:noFill/>
-        </p:spPr>
-        <p:txBody>
-          <a:bodyPr wrap="square" rtlCol="0">
-            <a:spAutoFit/>
-          </a:bodyPr>
-          <a:lstStyle/>
-          <a:p>
-            <a:r>
-              <a:rPr lang="en-US" dirty="0" err="1"/>
-              <a:t>connetionString</a:t>
-            </a:r>
-            <a:r>
-              <a:rPr lang="en-US" dirty="0"/>
-              <a:t> = "Data Source=mssqlnotserver.c8i9wczc98vn.us-east-1.rds.amazonaws.com;Initial Catalog=</a:t>
-            </a:r>
-            <a:r>
-              <a:rPr lang="en-US" dirty="0" err="1"/>
-              <a:t>workouttracker;User</a:t>
-            </a:r>
-            <a:r>
-              <a:rPr lang="en-US" dirty="0"/>
-              <a:t> ID=</a:t>
-            </a:r>
-            <a:r>
-              <a:rPr lang="en-US" dirty="0" err="1"/>
-              <a:t>dotNetWebUser;Password</a:t>
-            </a:r>
-            <a:r>
-              <a:rPr lang="en-US" dirty="0"/>
-              <a:t>=2mT90QN0mOKFemDb83QF";</a:t>
-            </a:r>
-          </a:p>
-        </p:txBody>
-      </p:sp>
-    </p:spTree>
-    <p:extLst>
-      <p:ext uri="{BB962C8B-B14F-4D97-AF65-F5344CB8AC3E}">
-        <p14:creationId xmlns:p14="http://schemas.microsoft.com/office/powerpoint/2010/main" val="1741137493"/>
-      </p:ext>
-    </p:extLst>
-  </p:cSld>
-  <p:clrMapOvr>
-    <a:masterClrMapping/>
-  </p:clrMapOvr>
-</p:sld>
-</file>
-
-<file path=ppt/slides/slide3.xml><?xml version="1.0" encoding="utf-8"?>
-<p:sld xmlns:a="http://schemas.openxmlformats.org/drawingml/2006/main" xmlns:r="http://schemas.openxmlformats.org/officeDocument/2006/relationships" xmlns:p="http://schemas.openxmlformats.org/presentationml/2006/main">
-  <p:cSld>
-    <p:spTree>
-      <p:nvGrpSpPr>
-        <p:cNvPr id="1" name=""/>
-        <p:cNvGrpSpPr/>
-        <p:nvPr/>
-      </p:nvGrpSpPr>
-      <p:grpSpPr>
-        <a:xfrm>
-          <a:off x="0" y="0"/>
-          <a:ext cx="0" cy="0"/>
-          <a:chOff x="0" y="0"/>
-          <a:chExt cx="0" cy="0"/>
-        </a:xfrm>
-      </p:grpSpPr>
-    </p:spTree>
-    <p:extLst>
-      <p:ext uri="{BB962C8B-B14F-4D97-AF65-F5344CB8AC3E}">
-        <p14:creationId xmlns:p14="http://schemas.microsoft.com/office/powerpoint/2010/main" val="1033334152"/>
-      </p:ext>
-    </p:extLst>
-  </p:cSld>
-  <p:clrMapOvr>
-    <a:masterClrMapping/>
-  </p:clrMapOvr>
-</p:sld>
-</file>
-
-<file path=ppt/slides/slide4.xml><?xml version="1.0" encoding="utf-8"?>
-<p:sld xmlns:a="http://schemas.openxmlformats.org/drawingml/2006/main" xmlns:r="http://schemas.openxmlformats.org/officeDocument/2006/relationships" xmlns:p="http://schemas.openxmlformats.org/presentationml/2006/main">
-  <p:cSld>
-    <p:bg>
-      <p:bgPr>
-        <a:solidFill>
-          <a:srgbClr val="232F3D"/>
-        </a:solidFill>
-        <a:effectLst/>
-      </p:bgPr>
-    </p:bg>
-    <p:spTree>
-      <p:nvGrpSpPr>
-        <p:cNvPr id="1" name=""/>
-        <p:cNvGrpSpPr/>
-        <p:nvPr/>
-      </p:nvGrpSpPr>
-      <p:grpSpPr>
-        <a:xfrm>
-          <a:off x="0" y="0"/>
-          <a:ext cx="0" cy="0"/>
-          <a:chOff x="0" y="0"/>
-          <a:chExt cx="0" cy="0"/>
-        </a:xfrm>
-      </p:grpSpPr>
-      <p:pic>
-        <p:nvPicPr>
-          <p:cNvPr id="5" name="Picture 4">
-            <a:extLst>
-              <a:ext uri="{FF2B5EF4-FFF2-40B4-BE49-F238E27FC236}">
-                <a16:creationId xmlns:a16="http://schemas.microsoft.com/office/drawing/2014/main" id="{99AED56C-6B60-4758-9518-42950272AC11}"/>
-              </a:ext>
-            </a:extLst>
-          </p:cNvPr>
-          <p:cNvPicPr>
-            <a:picLocks noChangeAspect="1"/>
-          </p:cNvPicPr>
-          <p:nvPr/>
-        </p:nvPicPr>
-        <p:blipFill rotWithShape="1">
-          <a:blip r:embed="rId3"/>
-          <a:srcRect b="12003"/>
-          <a:stretch/>
-        </p:blipFill>
-        <p:spPr>
-          <a:xfrm>
-            <a:off x="1524020" y="10"/>
-            <a:ext cx="9143980" cy="4666928"/>
-          </a:xfrm>
-          <a:prstGeom prst="rect">
-            <a:avLst/>
-          </a:prstGeom>
-        </p:spPr>
-      </p:pic>
-      <p:pic>
-        <p:nvPicPr>
-          <p:cNvPr id="10" name="Picture 9">
-            <a:extLst>
-              <a:ext uri="{FF2B5EF4-FFF2-40B4-BE49-F238E27FC236}">
-                <a16:creationId xmlns:a16="http://schemas.microsoft.com/office/drawing/2014/main" id="{EE09A529-E47C-4634-BB98-0A9526C372B4}"/>
-              </a:ext>
-              <a:ext uri="{C183D7F6-B498-43B3-948B-1728B52AA6E4}">
-                <adec:decorative xmlns:adec="http://schemas.microsoft.com/office/drawing/2017/decorative" val="1"/>
-              </a:ext>
-            </a:extLst>
-          </p:cNvPr>
-          <p:cNvPicPr>
-            <a:picLocks noGrp="1" noRot="1" noChangeAspect="1" noMove="1" noResize="1" noEditPoints="1" noAdjustHandles="1" noChangeArrowheads="1" noChangeShapeType="1" noCrop="1"/>
-          </p:cNvPicPr>
-          <p:nvPr>
-            <p:extLst>
-              <p:ext uri="{386F3935-93C4-4BCD-93E2-E3B085C9AB24}">
-                <p16:designElem xmlns:p16="http://schemas.microsoft.com/office/powerpoint/2015/main" val="1"/>
-              </p:ext>
-            </p:extLst>
-          </p:nvPr>
-        </p:nvPicPr>
-        <p:blipFill>
-          <a:blip r:embed="rId4">
-            <a:extLst>
-              <a:ext uri="{28A0092B-C50C-407E-A947-70E740481C1C}">
-                <a14:useLocalDpi xmlns:a14="http://schemas.microsoft.com/office/drawing/2010/main" val="0"/>
-              </a:ext>
-            </a:extLst>
-          </a:blip>
-          <a:stretch>
-            <a:fillRect/>
-          </a:stretch>
-        </p:blipFill>
-        <p:spPr>
-          <a:xfrm>
-            <a:off x="1524000" y="0"/>
-            <a:ext cx="9144000" cy="6858000"/>
-          </a:xfrm>
-          <a:prstGeom prst="rect">
-            <a:avLst/>
-          </a:prstGeom>
-        </p:spPr>
-      </p:pic>
-      <p:sp>
-        <p:nvSpPr>
-          <p:cNvPr id="12" name="Oval 11">
-            <a:extLst>
-              <a:ext uri="{FF2B5EF4-FFF2-40B4-BE49-F238E27FC236}">
-                <a16:creationId xmlns:a16="http://schemas.microsoft.com/office/drawing/2014/main" id="{569C1A01-6FB5-43CE-ADCC-936728ACAC0D}"/>
-              </a:ext>
-              <a:ext uri="{C183D7F6-B498-43B3-948B-1728B52AA6E4}">
-                <adec:decorative xmlns:adec="http://schemas.microsoft.com/office/drawing/2017/decorative" val="1"/>
-              </a:ext>
-            </a:extLst>
-          </p:cNvPr>
-          <p:cNvSpPr>
-            <a:spLocks noGrp="1" noRot="1" noChangeAspect="1" noMove="1" noResize="1" noEditPoints="1" noAdjustHandles="1" noChangeArrowheads="1" noChangeShapeType="1" noTextEdit="1"/>
-          </p:cNvSpPr>
-          <p:nvPr>
-            <p:extLst>
-              <p:ext uri="{386F3935-93C4-4BCD-93E2-E3B085C9AB24}">
-                <p16:designElem xmlns:p16="http://schemas.microsoft.com/office/powerpoint/2015/main" val="1"/>
-              </p:ext>
-            </p:extLst>
-          </p:nvPr>
-        </p:nvSpPr>
-        <p:spPr>
-          <a:xfrm>
-            <a:off x="2616201" y="4388303"/>
-            <a:ext cx="618067" cy="702986"/>
-          </a:xfrm>
-          <a:prstGeom prst="ellipse">
-            <a:avLst/>
-          </a:prstGeom>
-          <a:solidFill>
-            <a:srgbClr val="FFFFFF"/>
-          </a:solidFill>
-          <a:ln>
-            <a:noFill/>
-          </a:ln>
-        </p:spPr>
-        <p:style>
-          <a:lnRef idx="2">
-            <a:schemeClr val="accent1">
-              <a:shade val="50000"/>
-            </a:schemeClr>
-          </a:lnRef>
-          <a:fillRef idx="1">
-            <a:schemeClr val="accent1"/>
-          </a:fillRef>
-          <a:effectRef idx="0">
-            <a:schemeClr val="accent1"/>
-          </a:effectRef>
-          <a:fontRef idx="minor">
-            <a:schemeClr val="lt1"/>
-          </a:fontRef>
-        </p:style>
-        <p:txBody>
-          <a:bodyPr rtlCol="0" anchor="ctr"/>
-          <a:lstStyle/>
-          <a:p>
-            <a:pPr algn="ctr" defTabSz="914400"/>
-            <a:endParaRPr lang="en-US">
-              <a:solidFill>
-                <a:srgbClr val="FAFAFA"/>
-              </a:solidFill>
-              <a:latin typeface="Arial" panose="020B0604020202020204"/>
-            </a:endParaRPr>
-          </a:p>
-        </p:txBody>
-      </p:sp>
-      <p:sp>
-        <p:nvSpPr>
-          <p:cNvPr id="2" name="Title 1"/>
-          <p:cNvSpPr>
-            <a:spLocks noGrp="1"/>
-          </p:cNvSpPr>
-          <p:nvPr>
-            <p:ph type="title"/>
-          </p:nvPr>
-        </p:nvSpPr>
-        <p:spPr>
-          <a:xfrm>
-            <a:off x="2127749" y="4551038"/>
-            <a:ext cx="3766337" cy="1509931"/>
-          </a:xfrm>
-        </p:spPr>
+        <p:spPr/>
         <p:txBody>
           <a:bodyPr>
             <a:normAutofit/>
@@ -11014,641 +10737,36 @@
           <a:lstStyle/>
           <a:p>
             <a:r>
-              <a:rPr lang="en-US" sz="3200" dirty="0">
-                <a:solidFill>
-                  <a:srgbClr val="000000"/>
-                </a:solidFill>
-              </a:rPr>
-              <a:t>Your App Global</a:t>
-            </a:r>
-          </a:p>
-        </p:txBody>
-      </p:sp>
-      <p:sp>
-        <p:nvSpPr>
-          <p:cNvPr id="3" name="Content Placeholder 2"/>
-          <p:cNvSpPr>
-            <a:spLocks noGrp="1"/>
-          </p:cNvSpPr>
-          <p:nvPr>
-            <p:ph idx="1"/>
-          </p:nvPr>
-        </p:nvSpPr>
-        <p:spPr>
-          <a:xfrm>
-            <a:off x="6019801" y="4191001"/>
-            <a:ext cx="4495799" cy="2666999"/>
-          </a:xfrm>
-        </p:spPr>
-        <p:txBody>
-          <a:bodyPr anchor="ctr">
-            <a:normAutofit/>
-          </a:bodyPr>
-          <a:lstStyle/>
-          <a:p>
-            <a:r>
-              <a:rPr lang="en-US" sz="1600" dirty="0">
-                <a:solidFill>
-                  <a:srgbClr val="000000"/>
-                </a:solidFill>
-              </a:rPr>
-              <a:t>CloudFront (CDN)</a:t>
-            </a:r>
-          </a:p>
-          <a:p>
-            <a:r>
-              <a:rPr lang="en-US" sz="1600" dirty="0">
-                <a:solidFill>
-                  <a:srgbClr val="000000"/>
-                </a:solidFill>
-              </a:rPr>
-              <a:t>Lambda (Compute)</a:t>
-            </a:r>
-          </a:p>
-          <a:p>
-            <a:r>
-              <a:rPr lang="en-US" sz="1600" dirty="0">
-                <a:solidFill>
-                  <a:srgbClr val="000000"/>
-                </a:solidFill>
-              </a:rPr>
-              <a:t>RDS (Database)</a:t>
-            </a:r>
-          </a:p>
-          <a:p>
-            <a:r>
-              <a:rPr lang="en-US" sz="1600" dirty="0">
-                <a:solidFill>
-                  <a:srgbClr val="000000"/>
-                </a:solidFill>
-              </a:rPr>
-              <a:t>Route53(DNS)</a:t>
-            </a:r>
-          </a:p>
-        </p:txBody>
-      </p:sp>
-      <p:pic>
-        <p:nvPicPr>
-          <p:cNvPr id="4" name="Picture 3">
+              <a:rPr lang="en-US" sz="4000" dirty="0"/>
+              <a:t>Typical API</a:t>
+            </a:r>
+          </a:p>
+          <a:p>
+            <a:r>
+              <a:rPr lang="en-US" sz="4000" dirty="0"/>
+              <a:t>Use Postman to test</a:t>
+            </a:r>
+          </a:p>
+          <a:p>
+            <a:r>
+              <a:rPr lang="en-US" sz="4000" dirty="0"/>
+              <a:t>Access Keys to test</a:t>
+            </a:r>
+          </a:p>
+          <a:p>
+            <a:r>
+              <a:rPr lang="en-US" sz="4000" dirty="0"/>
+              <a:t>Please be kind</a:t>
+            </a:r>
+          </a:p>
+        </p:txBody>
+      </p:sp>
+      <p:sp>
+        <p:nvSpPr>
+          <p:cNvPr id="4" name="Content Placeholder 2">
             <a:extLst>
               <a:ext uri="{FF2B5EF4-FFF2-40B4-BE49-F238E27FC236}">
-                <a16:creationId xmlns:a16="http://schemas.microsoft.com/office/drawing/2014/main" id="{45D303BC-C0FC-4244-B6BF-66DF4829BEDF}"/>
-              </a:ext>
-            </a:extLst>
-          </p:cNvPr>
-          <p:cNvPicPr>
-            <a:picLocks noChangeAspect="1"/>
-          </p:cNvPicPr>
-          <p:nvPr/>
-        </p:nvPicPr>
-        <p:blipFill>
-          <a:blip r:embed="rId5"/>
-          <a:stretch>
-            <a:fillRect/>
-          </a:stretch>
-        </p:blipFill>
-        <p:spPr>
-          <a:xfrm>
-            <a:off x="8991376" y="3027794"/>
-            <a:ext cx="1676605" cy="416447"/>
-          </a:xfrm>
-          <a:prstGeom prst="rect">
-            <a:avLst/>
-          </a:prstGeom>
-        </p:spPr>
-      </p:pic>
-    </p:spTree>
-    <p:extLst>
-      <p:ext uri="{BB962C8B-B14F-4D97-AF65-F5344CB8AC3E}">
-        <p14:creationId xmlns:p14="http://schemas.microsoft.com/office/powerpoint/2010/main" val="3107571717"/>
-      </p:ext>
-    </p:extLst>
-  </p:cSld>
-  <p:clrMapOvr>
-    <a:masterClrMapping/>
-  </p:clrMapOvr>
-</p:sld>
-</file>
-
-<file path=ppt/slides/slide5.xml><?xml version="1.0" encoding="utf-8"?>
-<p:sld xmlns:a="http://schemas.openxmlformats.org/drawingml/2006/main" xmlns:r="http://schemas.openxmlformats.org/officeDocument/2006/relationships" xmlns:p="http://schemas.openxmlformats.org/presentationml/2006/main">
-  <p:cSld>
-    <p:spTree>
-      <p:nvGrpSpPr>
-        <p:cNvPr id="1" name=""/>
-        <p:cNvGrpSpPr/>
-        <p:nvPr/>
-      </p:nvGrpSpPr>
-      <p:grpSpPr>
-        <a:xfrm>
-          <a:off x="0" y="0"/>
-          <a:ext cx="0" cy="0"/>
-          <a:chOff x="0" y="0"/>
-          <a:chExt cx="0" cy="0"/>
-        </a:xfrm>
-      </p:grpSpPr>
-      <p:sp>
-        <p:nvSpPr>
-          <p:cNvPr id="3" name="Slide Number Placeholder 2">
-            <a:extLst>
-              <a:ext uri="{FF2B5EF4-FFF2-40B4-BE49-F238E27FC236}">
-                <a16:creationId xmlns:a16="http://schemas.microsoft.com/office/drawing/2014/main" id="{36A6FC4C-2F74-4EC2-BF29-794D4F6CC25D}"/>
-              </a:ext>
-            </a:extLst>
-          </p:cNvPr>
-          <p:cNvSpPr>
-            <a:spLocks noGrp="1"/>
-          </p:cNvSpPr>
-          <p:nvPr>
-            <p:ph type="sldNum" sz="quarter" idx="4"/>
-          </p:nvPr>
-        </p:nvSpPr>
-        <p:spPr/>
-        <p:txBody>
-          <a:bodyPr/>
-          <a:lstStyle/>
-          <a:p>
-            <a:fld id="{0E0E0192-C642-4D4F-AE82-A0D0DC02E26B}" type="slidenum">
-              <a:rPr lang="en-US" smtClean="0"/>
-              <a:t>5</a:t>
-            </a:fld>
-            <a:endParaRPr lang="en-US" dirty="0"/>
-          </a:p>
-        </p:txBody>
-      </p:sp>
-    </p:spTree>
-    <p:extLst>
-      <p:ext uri="{BB962C8B-B14F-4D97-AF65-F5344CB8AC3E}">
-        <p14:creationId xmlns:p14="http://schemas.microsoft.com/office/powerpoint/2010/main" val="637402801"/>
-      </p:ext>
-    </p:extLst>
-  </p:cSld>
-  <p:clrMapOvr>
-    <a:masterClrMapping/>
-  </p:clrMapOvr>
-</p:sld>
-</file>
-
-<file path=ppt/slides/slide6.xml><?xml version="1.0" encoding="utf-8"?>
-<p:sld xmlns:a="http://schemas.openxmlformats.org/drawingml/2006/main" xmlns:r="http://schemas.openxmlformats.org/officeDocument/2006/relationships" xmlns:p="http://schemas.openxmlformats.org/presentationml/2006/main">
-  <p:cSld>
-    <p:spTree>
-      <p:nvGrpSpPr>
-        <p:cNvPr id="1" name=""/>
-        <p:cNvGrpSpPr/>
-        <p:nvPr/>
-      </p:nvGrpSpPr>
-      <p:grpSpPr>
-        <a:xfrm>
-          <a:off x="0" y="0"/>
-          <a:ext cx="0" cy="0"/>
-          <a:chOff x="0" y="0"/>
-          <a:chExt cx="0" cy="0"/>
-        </a:xfrm>
-      </p:grpSpPr>
-      <p:sp>
-        <p:nvSpPr>
-          <p:cNvPr id="2" name="Title 1">
-            <a:extLst>
-              <a:ext uri="{FF2B5EF4-FFF2-40B4-BE49-F238E27FC236}">
-                <a16:creationId xmlns:a16="http://schemas.microsoft.com/office/drawing/2014/main" id="{4BE66539-B4FC-45D4-BA28-6A17E2648E3E}"/>
-              </a:ext>
-            </a:extLst>
-          </p:cNvPr>
-          <p:cNvSpPr>
-            <a:spLocks noGrp="1"/>
-          </p:cNvSpPr>
-          <p:nvPr>
-            <p:ph type="title"/>
-          </p:nvPr>
-        </p:nvSpPr>
-        <p:spPr>
-          <a:xfrm>
-            <a:off x="994477" y="0"/>
-            <a:ext cx="10353762" cy="609601"/>
-          </a:xfrm>
-        </p:spPr>
-        <p:txBody>
-          <a:bodyPr>
-            <a:normAutofit/>
-          </a:bodyPr>
-          <a:lstStyle/>
-          <a:p>
-            <a:r>
-              <a:rPr lang="en-US" sz="2000" dirty="0"/>
-              <a:t>AWS - Amazon Web Services </a:t>
-            </a:r>
-          </a:p>
-        </p:txBody>
-      </p:sp>
-      <p:sp>
-        <p:nvSpPr>
-          <p:cNvPr id="3" name="Content Placeholder 2">
-            <a:extLst>
-              <a:ext uri="{FF2B5EF4-FFF2-40B4-BE49-F238E27FC236}">
-                <a16:creationId xmlns:a16="http://schemas.microsoft.com/office/drawing/2014/main" id="{8E31EDA5-790E-435C-AD54-0650F3FF85EE}"/>
-              </a:ext>
-            </a:extLst>
-          </p:cNvPr>
-          <p:cNvSpPr>
-            <a:spLocks noGrp="1"/>
-          </p:cNvSpPr>
-          <p:nvPr>
-            <p:ph idx="1"/>
-          </p:nvPr>
-        </p:nvSpPr>
-        <p:spPr>
-          <a:xfrm>
-            <a:off x="1182694" y="824753"/>
-            <a:ext cx="8946541" cy="4195481"/>
-          </a:xfrm>
-        </p:spPr>
-        <p:txBody>
-          <a:bodyPr/>
-          <a:lstStyle/>
-          <a:p>
-            <a:r>
-              <a:rPr lang="en-US" dirty="0"/>
-              <a:t>12 months of free resource (new accounts)</a:t>
-            </a:r>
-          </a:p>
-          <a:p>
-            <a:r>
-              <a:rPr lang="en-US" dirty="0"/>
-              <a:t>Some services have a permanent free tier</a:t>
-            </a:r>
-          </a:p>
-        </p:txBody>
-      </p:sp>
-      <p:pic>
-        <p:nvPicPr>
-          <p:cNvPr id="5" name="Picture 4">
-            <a:extLst>
-              <a:ext uri="{FF2B5EF4-FFF2-40B4-BE49-F238E27FC236}">
-                <a16:creationId xmlns:a16="http://schemas.microsoft.com/office/drawing/2014/main" id="{4E6C6291-1D06-46F4-AE5E-91C06656DCE7}"/>
-              </a:ext>
-            </a:extLst>
-          </p:cNvPr>
-          <p:cNvPicPr>
-            <a:picLocks noChangeAspect="1"/>
-          </p:cNvPicPr>
-          <p:nvPr/>
-        </p:nvPicPr>
-        <p:blipFill>
-          <a:blip r:embed="rId2"/>
-          <a:stretch>
-            <a:fillRect/>
-          </a:stretch>
-        </p:blipFill>
-        <p:spPr>
-          <a:xfrm>
-            <a:off x="331008" y="1914335"/>
-            <a:ext cx="2568163" cy="3490262"/>
-          </a:xfrm>
-          <a:prstGeom prst="rect">
-            <a:avLst/>
-          </a:prstGeom>
-        </p:spPr>
-      </p:pic>
-      <p:pic>
-        <p:nvPicPr>
-          <p:cNvPr id="6" name="Picture 5">
-            <a:extLst>
-              <a:ext uri="{FF2B5EF4-FFF2-40B4-BE49-F238E27FC236}">
-                <a16:creationId xmlns:a16="http://schemas.microsoft.com/office/drawing/2014/main" id="{CD5ED391-7E6B-4EF7-8C05-99FDA80DFEA2}"/>
-              </a:ext>
-            </a:extLst>
-          </p:cNvPr>
-          <p:cNvPicPr>
-            <a:picLocks noChangeAspect="1"/>
-          </p:cNvPicPr>
-          <p:nvPr/>
-        </p:nvPicPr>
-        <p:blipFill>
-          <a:blip r:embed="rId3"/>
-          <a:stretch>
-            <a:fillRect/>
-          </a:stretch>
-        </p:blipFill>
-        <p:spPr>
-          <a:xfrm>
-            <a:off x="8696256" y="1914335"/>
-            <a:ext cx="2575783" cy="3863675"/>
-          </a:xfrm>
-          <a:prstGeom prst="rect">
-            <a:avLst/>
-          </a:prstGeom>
-        </p:spPr>
-      </p:pic>
-      <p:pic>
-        <p:nvPicPr>
-          <p:cNvPr id="7" name="Picture 6">
-            <a:extLst>
-              <a:ext uri="{FF2B5EF4-FFF2-40B4-BE49-F238E27FC236}">
-                <a16:creationId xmlns:a16="http://schemas.microsoft.com/office/drawing/2014/main" id="{73B84ED1-1A15-4291-8300-1C28366E5F1C}"/>
-              </a:ext>
-            </a:extLst>
-          </p:cNvPr>
-          <p:cNvPicPr>
-            <a:picLocks noChangeAspect="1"/>
-          </p:cNvPicPr>
-          <p:nvPr/>
-        </p:nvPicPr>
-        <p:blipFill>
-          <a:blip r:embed="rId4"/>
-          <a:stretch>
-            <a:fillRect/>
-          </a:stretch>
-        </p:blipFill>
-        <p:spPr>
-          <a:xfrm>
-            <a:off x="3043669" y="1914335"/>
-            <a:ext cx="2560542" cy="3505504"/>
-          </a:xfrm>
-          <a:prstGeom prst="rect">
-            <a:avLst/>
-          </a:prstGeom>
-        </p:spPr>
-      </p:pic>
-      <p:pic>
-        <p:nvPicPr>
-          <p:cNvPr id="8" name="Picture 7">
-            <a:extLst>
-              <a:ext uri="{FF2B5EF4-FFF2-40B4-BE49-F238E27FC236}">
-                <a16:creationId xmlns:a16="http://schemas.microsoft.com/office/drawing/2014/main" id="{3BA48333-2BBD-4932-85D5-C1F149E0208E}"/>
-              </a:ext>
-            </a:extLst>
-          </p:cNvPr>
-          <p:cNvPicPr>
-            <a:picLocks noChangeAspect="1"/>
-          </p:cNvPicPr>
-          <p:nvPr/>
-        </p:nvPicPr>
-        <p:blipFill>
-          <a:blip r:embed="rId5"/>
-          <a:stretch>
-            <a:fillRect/>
-          </a:stretch>
-        </p:blipFill>
-        <p:spPr>
-          <a:xfrm>
-            <a:off x="5915683" y="1914335"/>
-            <a:ext cx="2545301" cy="4252328"/>
-          </a:xfrm>
-          <a:prstGeom prst="rect">
-            <a:avLst/>
-          </a:prstGeom>
-        </p:spPr>
-      </p:pic>
-    </p:spTree>
-    <p:extLst>
-      <p:ext uri="{BB962C8B-B14F-4D97-AF65-F5344CB8AC3E}">
-        <p14:creationId xmlns:p14="http://schemas.microsoft.com/office/powerpoint/2010/main" val="1497710981"/>
-      </p:ext>
-    </p:extLst>
-  </p:cSld>
-  <p:clrMapOvr>
-    <a:masterClrMapping/>
-  </p:clrMapOvr>
-</p:sld>
-</file>
-
-<file path=ppt/slides/slide7.xml><?xml version="1.0" encoding="utf-8"?>
-<p:sld xmlns:a="http://schemas.openxmlformats.org/drawingml/2006/main" xmlns:r="http://schemas.openxmlformats.org/officeDocument/2006/relationships" xmlns:p="http://schemas.openxmlformats.org/presentationml/2006/main">
-  <p:cSld>
-    <p:spTree>
-      <p:nvGrpSpPr>
-        <p:cNvPr id="1" name=""/>
-        <p:cNvGrpSpPr/>
-        <p:nvPr/>
-      </p:nvGrpSpPr>
-      <p:grpSpPr>
-        <a:xfrm>
-          <a:off x="0" y="0"/>
-          <a:ext cx="0" cy="0"/>
-          <a:chOff x="0" y="0"/>
-          <a:chExt cx="0" cy="0"/>
-        </a:xfrm>
-      </p:grpSpPr>
-      <p:sp>
-        <p:nvSpPr>
-          <p:cNvPr id="2" name="Title 1">
-            <a:extLst>
-              <a:ext uri="{FF2B5EF4-FFF2-40B4-BE49-F238E27FC236}">
-                <a16:creationId xmlns:a16="http://schemas.microsoft.com/office/drawing/2014/main" id="{4983B95B-97AB-4916-944C-80B2F5586495}"/>
-              </a:ext>
-            </a:extLst>
-          </p:cNvPr>
-          <p:cNvSpPr>
-            <a:spLocks noGrp="1"/>
-          </p:cNvSpPr>
-          <p:nvPr>
-            <p:ph type="title"/>
-          </p:nvPr>
-        </p:nvSpPr>
-        <p:spPr>
-          <a:xfrm>
-            <a:off x="913795" y="1047750"/>
-            <a:ext cx="10353762" cy="970450"/>
-          </a:xfrm>
-        </p:spPr>
-        <p:txBody>
-          <a:bodyPr>
-            <a:normAutofit fontScale="90000"/>
-          </a:bodyPr>
-          <a:lstStyle/>
-          <a:p>
-            <a:r>
-              <a:rPr lang="en-US" dirty="0"/>
-              <a:t>BEFORE YOU START – </a:t>
-            </a:r>
-            <a:br>
-              <a:rPr lang="en-US" dirty="0"/>
-            </a:br>
-            <a:r>
-              <a:rPr lang="en-US" sz="6000" b="1" u="sng" dirty="0"/>
-              <a:t>AKA THIS IS AN IMPORTANT SLIDE</a:t>
-            </a:r>
-          </a:p>
-        </p:txBody>
-      </p:sp>
-      <p:sp>
-        <p:nvSpPr>
-          <p:cNvPr id="3" name="Content Placeholder 2">
-            <a:extLst>
-              <a:ext uri="{FF2B5EF4-FFF2-40B4-BE49-F238E27FC236}">
-                <a16:creationId xmlns:a16="http://schemas.microsoft.com/office/drawing/2014/main" id="{C10D05C9-7009-4337-AEE3-29BDA9D6AC70}"/>
-              </a:ext>
-            </a:extLst>
-          </p:cNvPr>
-          <p:cNvSpPr>
-            <a:spLocks noGrp="1"/>
-          </p:cNvSpPr>
-          <p:nvPr>
-            <p:ph idx="1"/>
-          </p:nvPr>
-        </p:nvSpPr>
-        <p:spPr>
-          <a:xfrm>
-            <a:off x="913795" y="2723049"/>
-            <a:ext cx="10353762" cy="4058751"/>
-          </a:xfrm>
-        </p:spPr>
-        <p:txBody>
-          <a:bodyPr/>
-          <a:lstStyle/>
-          <a:p>
-            <a:r>
-              <a:rPr lang="en-US" dirty="0"/>
-              <a:t>DO NOT </a:t>
-            </a:r>
-            <a:r>
-              <a:rPr lang="en-US" b="1" u="sng" dirty="0"/>
-              <a:t>EVER</a:t>
-            </a:r>
-            <a:r>
-              <a:rPr lang="en-US" dirty="0"/>
-              <a:t> publicly post or place a certificate file or password</a:t>
-            </a:r>
-          </a:p>
-          <a:p>
-            <a:r>
-              <a:rPr lang="en-US" dirty="0"/>
-              <a:t>Always assume user’s data is bad</a:t>
-            </a:r>
-          </a:p>
-          <a:p>
-            <a:r>
-              <a:rPr lang="en-US" dirty="0"/>
-              <a:t>Use GitHub or similar code repo for storing your work</a:t>
-            </a:r>
-          </a:p>
-          <a:p>
-            <a:r>
-              <a:rPr lang="en-US" dirty="0"/>
-              <a:t>Enable MFA in AWS</a:t>
-            </a:r>
-          </a:p>
-          <a:p>
-            <a:r>
-              <a:rPr lang="en-US" dirty="0"/>
-              <a:t>Enable Billing alerts in AWS</a:t>
-            </a:r>
-          </a:p>
-        </p:txBody>
-      </p:sp>
-    </p:spTree>
-    <p:extLst>
-      <p:ext uri="{BB962C8B-B14F-4D97-AF65-F5344CB8AC3E}">
-        <p14:creationId xmlns:p14="http://schemas.microsoft.com/office/powerpoint/2010/main" val="95129283"/>
-      </p:ext>
-    </p:extLst>
-  </p:cSld>
-  <p:clrMapOvr>
-    <a:masterClrMapping/>
-  </p:clrMapOvr>
-</p:sld>
-</file>
-
-<file path=ppt/slides/slide8.xml><?xml version="1.0" encoding="utf-8"?>
-<p:sld xmlns:a="http://schemas.openxmlformats.org/drawingml/2006/main" xmlns:r="http://schemas.openxmlformats.org/officeDocument/2006/relationships" xmlns:p="http://schemas.openxmlformats.org/presentationml/2006/main">
-  <p:cSld>
-    <p:spTree>
-      <p:nvGrpSpPr>
-        <p:cNvPr id="1" name=""/>
-        <p:cNvGrpSpPr/>
-        <p:nvPr/>
-      </p:nvGrpSpPr>
-      <p:grpSpPr>
-        <a:xfrm>
-          <a:off x="0" y="0"/>
-          <a:ext cx="0" cy="0"/>
-          <a:chOff x="0" y="0"/>
-          <a:chExt cx="0" cy="0"/>
-        </a:xfrm>
-      </p:grpSpPr>
-    </p:spTree>
-    <p:extLst>
-      <p:ext uri="{BB962C8B-B14F-4D97-AF65-F5344CB8AC3E}">
-        <p14:creationId xmlns:p14="http://schemas.microsoft.com/office/powerpoint/2010/main" val="3974337324"/>
-      </p:ext>
-    </p:extLst>
-  </p:cSld>
-  <p:clrMapOvr>
-    <a:masterClrMapping/>
-  </p:clrMapOvr>
-</p:sld>
-</file>
-
-<file path=ppt/slides/slide9.xml><?xml version="1.0" encoding="utf-8"?>
-<p:sld xmlns:a="http://schemas.openxmlformats.org/drawingml/2006/main" xmlns:r="http://schemas.openxmlformats.org/officeDocument/2006/relationships" xmlns:p="http://schemas.openxmlformats.org/presentationml/2006/main">
-  <p:cSld>
-    <p:bg>
-      <p:bgPr>
-        <a:solidFill>
-          <a:schemeClr val="bg1"/>
-        </a:solidFill>
-        <a:effectLst/>
-      </p:bgPr>
-    </p:bg>
-    <p:spTree>
-      <p:nvGrpSpPr>
-        <p:cNvPr id="1" name=""/>
-        <p:cNvGrpSpPr/>
-        <p:nvPr/>
-      </p:nvGrpSpPr>
-      <p:grpSpPr>
-        <a:xfrm>
-          <a:off x="0" y="0"/>
-          <a:ext cx="0" cy="0"/>
-          <a:chOff x="0" y="0"/>
-          <a:chExt cx="0" cy="0"/>
-        </a:xfrm>
-      </p:grpSpPr>
-      <p:pic>
-        <p:nvPicPr>
-          <p:cNvPr id="5" name="Content Placeholder 4" descr="A screenshot of a cell phone&#10;&#10;Description automatically generated">
-            <a:extLst>
-              <a:ext uri="{FF2B5EF4-FFF2-40B4-BE49-F238E27FC236}">
-                <a16:creationId xmlns:a16="http://schemas.microsoft.com/office/drawing/2014/main" id="{CDAD5207-B13D-4B06-BB9A-6BE44609A2CC}"/>
-              </a:ext>
-            </a:extLst>
-          </p:cNvPr>
-          <p:cNvPicPr>
-            <a:picLocks noGrp="1" noChangeAspect="1"/>
-          </p:cNvPicPr>
-          <p:nvPr>
-            <p:ph idx="1"/>
-          </p:nvPr>
-        </p:nvPicPr>
-        <p:blipFill>
-          <a:blip r:embed="rId2">
-            <a:extLst>
-              <a:ext uri="{28A0092B-C50C-407E-A947-70E740481C1C}">
-                <a14:useLocalDpi xmlns:a14="http://schemas.microsoft.com/office/drawing/2010/main" val="0"/>
-              </a:ext>
-            </a:extLst>
-          </a:blip>
-          <a:stretch>
-            <a:fillRect/>
-          </a:stretch>
-        </p:blipFill>
-        <p:spPr>
-          <a:xfrm>
-            <a:off x="320040" y="840705"/>
-            <a:ext cx="11496821" cy="2931688"/>
-          </a:xfrm>
-          <a:prstGeom prst="rect">
-            <a:avLst/>
-          </a:prstGeom>
-        </p:spPr>
-      </p:pic>
-      <p:sp>
-        <p:nvSpPr>
-          <p:cNvPr id="6" name="Content Placeholder 2">
-            <a:extLst>
-              <a:ext uri="{FF2B5EF4-FFF2-40B4-BE49-F238E27FC236}">
-                <a16:creationId xmlns:a16="http://schemas.microsoft.com/office/drawing/2014/main" id="{FDF1F91A-8241-4EBB-8A12-F0B25953CEB4}"/>
+                <a16:creationId xmlns:a16="http://schemas.microsoft.com/office/drawing/2014/main" id="{C54C7B59-B57A-487A-8D68-A89B39320551}"/>
               </a:ext>
             </a:extLst>
           </p:cNvPr>
@@ -12027,7 +11145,7 @@
             </a:pPr>
             <a:r>
               <a:rPr lang="en-US" sz="4000" dirty="0">
-                <a:hlinkClick r:id="rId3"/>
+                <a:hlinkClick r:id="rId2"/>
               </a:rPr>
               <a:t>https://github.com/curtisdarst/rcc2019/</a:t>
             </a:r>
@@ -12047,7 +11165,1413 @@
     </p:spTree>
     <p:extLst>
       <p:ext uri="{BB962C8B-B14F-4D97-AF65-F5344CB8AC3E}">
-        <p14:creationId xmlns:p14="http://schemas.microsoft.com/office/powerpoint/2010/main" val="1631008843"/>
+        <p14:creationId xmlns:p14="http://schemas.microsoft.com/office/powerpoint/2010/main" val="2303246872"/>
+      </p:ext>
+    </p:extLst>
+  </p:cSld>
+  <p:clrMapOvr>
+    <a:masterClrMapping/>
+  </p:clrMapOvr>
+</p:sld>
+</file>
+
+<file path=ppt/slides/slide25.xml><?xml version="1.0" encoding="utf-8"?>
+<p:sld xmlns:a="http://schemas.openxmlformats.org/drawingml/2006/main" xmlns:r="http://schemas.openxmlformats.org/officeDocument/2006/relationships" xmlns:p="http://schemas.openxmlformats.org/presentationml/2006/main">
+  <p:cSld>
+    <p:spTree>
+      <p:nvGrpSpPr>
+        <p:cNvPr id="1" name=""/>
+        <p:cNvGrpSpPr/>
+        <p:nvPr/>
+      </p:nvGrpSpPr>
+      <p:grpSpPr>
+        <a:xfrm>
+          <a:off x="0" y="0"/>
+          <a:ext cx="0" cy="0"/>
+          <a:chOff x="0" y="0"/>
+          <a:chExt cx="0" cy="0"/>
+        </a:xfrm>
+      </p:grpSpPr>
+      <p:sp>
+        <p:nvSpPr>
+          <p:cNvPr id="2" name="Title 1">
+            <a:extLst>
+              <a:ext uri="{FF2B5EF4-FFF2-40B4-BE49-F238E27FC236}">
+                <a16:creationId xmlns:a16="http://schemas.microsoft.com/office/drawing/2014/main" id="{245729F6-D8D5-4F44-975B-84D71A96C5DC}"/>
+              </a:ext>
+            </a:extLst>
+          </p:cNvPr>
+          <p:cNvSpPr>
+            <a:spLocks noGrp="1"/>
+          </p:cNvSpPr>
+          <p:nvPr>
+            <p:ph type="title"/>
+          </p:nvPr>
+        </p:nvSpPr>
+        <p:spPr/>
+        <p:txBody>
+          <a:bodyPr/>
+          <a:lstStyle/>
+          <a:p>
+            <a:r>
+              <a:rPr lang="en-US" dirty="0" err="1"/>
+              <a:t>github</a:t>
+            </a:r>
+            <a:endParaRPr lang="en-US" dirty="0"/>
+          </a:p>
+        </p:txBody>
+      </p:sp>
+      <p:sp>
+        <p:nvSpPr>
+          <p:cNvPr id="3" name="Content Placeholder 2">
+            <a:extLst>
+              <a:ext uri="{FF2B5EF4-FFF2-40B4-BE49-F238E27FC236}">
+                <a16:creationId xmlns:a16="http://schemas.microsoft.com/office/drawing/2014/main" id="{F989E717-4480-4367-8120-C4D46EABB24A}"/>
+              </a:ext>
+            </a:extLst>
+          </p:cNvPr>
+          <p:cNvSpPr>
+            <a:spLocks noGrp="1"/>
+          </p:cNvSpPr>
+          <p:nvPr>
+            <p:ph idx="1"/>
+          </p:nvPr>
+        </p:nvSpPr>
+        <p:spPr>
+          <a:xfrm>
+            <a:off x="913795" y="1732449"/>
+            <a:ext cx="10353762" cy="1525101"/>
+          </a:xfrm>
+        </p:spPr>
+        <p:txBody>
+          <a:bodyPr>
+            <a:normAutofit fontScale="70000" lnSpcReduction="20000"/>
+          </a:bodyPr>
+          <a:lstStyle/>
+          <a:p>
+            <a:r>
+              <a:rPr lang="en-US" sz="4000" dirty="0">
+                <a:hlinkClick r:id="rId2"/>
+              </a:rPr>
+              <a:t>https://github.com/curtisdarst/rcc2019/</a:t>
+            </a:r>
+            <a:endParaRPr lang="en-US" sz="4000" dirty="0"/>
+          </a:p>
+          <a:p>
+            <a:r>
+              <a:rPr lang="en-US" sz="4000" dirty="0"/>
+              <a:t>Secret key: rcc2019</a:t>
+            </a:r>
+          </a:p>
+          <a:p>
+            <a:r>
+              <a:rPr lang="en-US" sz="4000" dirty="0"/>
+              <a:t>*hint </a:t>
+            </a:r>
+            <a:r>
+              <a:rPr lang="en-US" sz="4000" dirty="0" err="1"/>
+              <a:t>hint</a:t>
+            </a:r>
+            <a:r>
+              <a:rPr lang="en-US" sz="4000" dirty="0"/>
+              <a:t> </a:t>
+            </a:r>
+            <a:r>
+              <a:rPr lang="en-US" sz="4000" dirty="0" err="1"/>
+              <a:t>hint</a:t>
+            </a:r>
+            <a:r>
+              <a:rPr lang="en-US" sz="4000" dirty="0"/>
+              <a:t> what workout </a:t>
+            </a:r>
+            <a:r>
+              <a:rPr lang="en-US" sz="4000"/>
+              <a:t>for rcc2019?*</a:t>
+            </a:r>
+            <a:endParaRPr lang="en-US" sz="4000" dirty="0"/>
+          </a:p>
+          <a:p>
+            <a:endParaRPr lang="en-US" sz="4000" dirty="0"/>
+          </a:p>
+          <a:p>
+            <a:pPr marL="36900" indent="0">
+              <a:buNone/>
+            </a:pPr>
+            <a:endParaRPr lang="en-US" sz="4000" dirty="0"/>
+          </a:p>
+        </p:txBody>
+      </p:sp>
+      <p:sp>
+        <p:nvSpPr>
+          <p:cNvPr id="4" name="TextBox 3">
+            <a:extLst>
+              <a:ext uri="{FF2B5EF4-FFF2-40B4-BE49-F238E27FC236}">
+                <a16:creationId xmlns:a16="http://schemas.microsoft.com/office/drawing/2014/main" id="{D5ED05CD-82A5-4818-91D7-1EA91D5431D9}"/>
+              </a:ext>
+            </a:extLst>
+          </p:cNvPr>
+          <p:cNvSpPr txBox="1"/>
+          <p:nvPr/>
+        </p:nvSpPr>
+        <p:spPr>
+          <a:xfrm>
+            <a:off x="1102936" y="3516198"/>
+            <a:ext cx="9709608" cy="923330"/>
+          </a:xfrm>
+          <a:prstGeom prst="rect">
+            <a:avLst/>
+          </a:prstGeom>
+          <a:noFill/>
+        </p:spPr>
+        <p:txBody>
+          <a:bodyPr wrap="square" rtlCol="0">
+            <a:spAutoFit/>
+          </a:bodyPr>
+          <a:lstStyle/>
+          <a:p>
+            <a:r>
+              <a:rPr lang="en-US" dirty="0" err="1"/>
+              <a:t>connetionString</a:t>
+            </a:r>
+            <a:r>
+              <a:rPr lang="en-US" dirty="0"/>
+              <a:t> = "Data Source=mssqlnotserver.c8i9wczc98vn.us-east-1.rds.amazonaws.com;Initial Catalog=</a:t>
+            </a:r>
+            <a:r>
+              <a:rPr lang="en-US" dirty="0" err="1"/>
+              <a:t>workouttracker;User</a:t>
+            </a:r>
+            <a:r>
+              <a:rPr lang="en-US" dirty="0"/>
+              <a:t> ID=</a:t>
+            </a:r>
+            <a:r>
+              <a:rPr lang="en-US" dirty="0" err="1"/>
+              <a:t>dotNetWebUser;Password</a:t>
+            </a:r>
+            <a:r>
+              <a:rPr lang="en-US" dirty="0"/>
+              <a:t>=2mT90QN0mOKFemDb83QF";</a:t>
+            </a:r>
+          </a:p>
+        </p:txBody>
+      </p:sp>
+    </p:spTree>
+    <p:extLst>
+      <p:ext uri="{BB962C8B-B14F-4D97-AF65-F5344CB8AC3E}">
+        <p14:creationId xmlns:p14="http://schemas.microsoft.com/office/powerpoint/2010/main" val="1741137493"/>
+      </p:ext>
+    </p:extLst>
+  </p:cSld>
+  <p:clrMapOvr>
+    <a:masterClrMapping/>
+  </p:clrMapOvr>
+</p:sld>
+</file>
+
+<file path=ppt/slides/slide26.xml><?xml version="1.0" encoding="utf-8"?>
+<p:sld xmlns:a="http://schemas.openxmlformats.org/drawingml/2006/main" xmlns:r="http://schemas.openxmlformats.org/officeDocument/2006/relationships" xmlns:p="http://schemas.openxmlformats.org/presentationml/2006/main">
+  <p:cSld>
+    <p:spTree>
+      <p:nvGrpSpPr>
+        <p:cNvPr id="1" name=""/>
+        <p:cNvGrpSpPr/>
+        <p:nvPr/>
+      </p:nvGrpSpPr>
+      <p:grpSpPr>
+        <a:xfrm>
+          <a:off x="0" y="0"/>
+          <a:ext cx="0" cy="0"/>
+          <a:chOff x="0" y="0"/>
+          <a:chExt cx="0" cy="0"/>
+        </a:xfrm>
+      </p:grpSpPr>
+      <p:sp>
+        <p:nvSpPr>
+          <p:cNvPr id="2" name="Title 1">
+            <a:extLst>
+              <a:ext uri="{FF2B5EF4-FFF2-40B4-BE49-F238E27FC236}">
+                <a16:creationId xmlns:a16="http://schemas.microsoft.com/office/drawing/2014/main" id="{5F3D32D0-6F7C-49FF-89B9-FF7447FCBF8B}"/>
+              </a:ext>
+            </a:extLst>
+          </p:cNvPr>
+          <p:cNvSpPr>
+            <a:spLocks noGrp="1"/>
+          </p:cNvSpPr>
+          <p:nvPr>
+            <p:ph type="title"/>
+          </p:nvPr>
+        </p:nvSpPr>
+        <p:spPr>
+          <a:xfrm>
+            <a:off x="913795" y="-123825"/>
+            <a:ext cx="10353762" cy="970450"/>
+          </a:xfrm>
+        </p:spPr>
+        <p:txBody>
+          <a:bodyPr/>
+          <a:lstStyle/>
+          <a:p>
+            <a:r>
+              <a:rPr lang="en-US" dirty="0"/>
+              <a:t>Resources</a:t>
+            </a:r>
+          </a:p>
+        </p:txBody>
+      </p:sp>
+      <p:sp>
+        <p:nvSpPr>
+          <p:cNvPr id="3" name="Content Placeholder 2">
+            <a:extLst>
+              <a:ext uri="{FF2B5EF4-FFF2-40B4-BE49-F238E27FC236}">
+                <a16:creationId xmlns:a16="http://schemas.microsoft.com/office/drawing/2014/main" id="{46D090B6-D658-4324-A463-BAE17F5C89A6}"/>
+              </a:ext>
+            </a:extLst>
+          </p:cNvPr>
+          <p:cNvSpPr>
+            <a:spLocks noGrp="1"/>
+          </p:cNvSpPr>
+          <p:nvPr>
+            <p:ph idx="1"/>
+          </p:nvPr>
+        </p:nvSpPr>
+        <p:spPr/>
+        <p:txBody>
+          <a:bodyPr>
+            <a:normAutofit/>
+          </a:bodyPr>
+          <a:lstStyle/>
+          <a:p>
+            <a:pPr marL="36900" indent="0">
+              <a:buNone/>
+            </a:pPr>
+            <a:r>
+              <a:rPr lang="en-US" dirty="0">
+                <a:effectLst/>
+              </a:rPr>
+              <a:t>Places to Find Additional Help.</a:t>
+            </a:r>
+          </a:p>
+          <a:p>
+            <a:r>
+              <a:rPr lang="en-US" dirty="0">
+                <a:effectLst/>
+                <a:hlinkClick r:id="rId2"/>
+              </a:rPr>
+              <a:t>AWS Lambda .NET Core GitHub Repository</a:t>
+            </a:r>
+            <a:endParaRPr lang="en-US" dirty="0">
+              <a:effectLst/>
+            </a:endParaRPr>
+          </a:p>
+          <a:p>
+            <a:r>
+              <a:rPr lang="en-US" dirty="0">
+                <a:effectLst/>
+                <a:hlinkClick r:id="rId3"/>
+              </a:rPr>
+              <a:t>AWS SDK for .NET GitHub Repository</a:t>
+            </a:r>
+            <a:endParaRPr lang="en-US" dirty="0">
+              <a:effectLst/>
+            </a:endParaRPr>
+          </a:p>
+          <a:p>
+            <a:r>
+              <a:rPr lang="en-US" dirty="0">
+                <a:effectLst/>
+                <a:hlinkClick r:id="rId4"/>
+              </a:rPr>
+              <a:t>AWS .NET Developer Blog</a:t>
+            </a:r>
+            <a:endParaRPr lang="en-US" dirty="0">
+              <a:effectLst/>
+            </a:endParaRPr>
+          </a:p>
+          <a:p>
+            <a:r>
+              <a:rPr lang="en-US" dirty="0">
+                <a:effectLst/>
+                <a:hlinkClick r:id="rId5"/>
+              </a:rPr>
+              <a:t>AWS .NET Twitter Handle</a:t>
+            </a:r>
+            <a:endParaRPr lang="en-US" dirty="0">
+              <a:effectLst/>
+            </a:endParaRPr>
+          </a:p>
+          <a:p>
+            <a:r>
+              <a:rPr lang="en-US" dirty="0">
+                <a:effectLst/>
+                <a:hlinkClick r:id="rId6"/>
+              </a:rPr>
+              <a:t>AWS .NET Developer Guide</a:t>
+            </a:r>
+            <a:endParaRPr lang="en-US" dirty="0">
+              <a:effectLst/>
+            </a:endParaRPr>
+          </a:p>
+          <a:p>
+            <a:r>
+              <a:rPr lang="en-US" dirty="0">
+                <a:effectLst/>
+              </a:rPr>
+              <a:t>Visual Studio 2017 or 2019 </a:t>
+            </a:r>
+            <a:r>
+              <a:rPr lang="en-US" dirty="0">
+                <a:effectLst/>
+                <a:hlinkClick r:id="rId7"/>
+              </a:rPr>
+              <a:t>https://visualstudio.microsoft.com/vs/</a:t>
+            </a:r>
+            <a:endParaRPr lang="en-US" dirty="0">
+              <a:effectLst/>
+            </a:endParaRPr>
+          </a:p>
+          <a:p>
+            <a:r>
+              <a:rPr lang="en-US" dirty="0">
+                <a:effectLst/>
+              </a:rPr>
+              <a:t>AWS Toolkit for Visual Studio </a:t>
+            </a:r>
+            <a:r>
+              <a:rPr lang="en-US" dirty="0">
+                <a:effectLst/>
+                <a:hlinkClick r:id="rId8"/>
+              </a:rPr>
+              <a:t>https://aws.amazon.com/visualstudio/</a:t>
+            </a:r>
+            <a:endParaRPr lang="en-US" dirty="0">
+              <a:effectLst/>
+            </a:endParaRPr>
+          </a:p>
+          <a:p>
+            <a:r>
+              <a:rPr lang="en-US" dirty="0">
+                <a:effectLst/>
+              </a:rPr>
+              <a:t>Postman </a:t>
+            </a:r>
+            <a:r>
+              <a:rPr lang="en-US" dirty="0">
+                <a:effectLst/>
+                <a:hlinkClick r:id="rId9"/>
+              </a:rPr>
+              <a:t>https://www.getpostman.com/</a:t>
+            </a:r>
+            <a:endParaRPr lang="en-US" dirty="0">
+              <a:effectLst/>
+            </a:endParaRPr>
+          </a:p>
+          <a:p>
+            <a:pPr marL="36900" indent="0">
+              <a:buNone/>
+            </a:pPr>
+            <a:endParaRPr lang="en-US" dirty="0">
+              <a:effectLst/>
+            </a:endParaRPr>
+          </a:p>
+        </p:txBody>
+      </p:sp>
+    </p:spTree>
+    <p:extLst>
+      <p:ext uri="{BB962C8B-B14F-4D97-AF65-F5344CB8AC3E}">
+        <p14:creationId xmlns:p14="http://schemas.microsoft.com/office/powerpoint/2010/main" val="2812047246"/>
+      </p:ext>
+    </p:extLst>
+  </p:cSld>
+  <p:clrMapOvr>
+    <a:masterClrMapping/>
+  </p:clrMapOvr>
+</p:sld>
+</file>
+
+<file path=ppt/slides/slide3.xml><?xml version="1.0" encoding="utf-8"?>
+<p:sld xmlns:a="http://schemas.openxmlformats.org/drawingml/2006/main" xmlns:r="http://schemas.openxmlformats.org/officeDocument/2006/relationships" xmlns:p="http://schemas.openxmlformats.org/presentationml/2006/main">
+  <p:cSld>
+    <p:bg>
+      <p:bgPr>
+        <a:solidFill>
+          <a:schemeClr val="tx1"/>
+        </a:solidFill>
+        <a:effectLst/>
+      </p:bgPr>
+    </p:bg>
+    <p:spTree>
+      <p:nvGrpSpPr>
+        <p:cNvPr id="1" name=""/>
+        <p:cNvGrpSpPr/>
+        <p:nvPr/>
+      </p:nvGrpSpPr>
+      <p:grpSpPr>
+        <a:xfrm>
+          <a:off x="0" y="0"/>
+          <a:ext cx="0" cy="0"/>
+          <a:chOff x="0" y="0"/>
+          <a:chExt cx="0" cy="0"/>
+        </a:xfrm>
+      </p:grpSpPr>
+      <p:pic>
+        <p:nvPicPr>
+          <p:cNvPr id="6" name="Picture 5">
+            <a:extLst>
+              <a:ext uri="{FF2B5EF4-FFF2-40B4-BE49-F238E27FC236}">
+                <a16:creationId xmlns:a16="http://schemas.microsoft.com/office/drawing/2014/main" id="{A9CCBD4F-E925-4484-B600-A7957797AA8D}"/>
+              </a:ext>
+            </a:extLst>
+          </p:cNvPr>
+          <p:cNvPicPr>
+            <a:picLocks noChangeAspect="1"/>
+          </p:cNvPicPr>
+          <p:nvPr/>
+        </p:nvPicPr>
+        <p:blipFill>
+          <a:blip r:embed="rId2">
+            <a:extLst>
+              <a:ext uri="{28A0092B-C50C-407E-A947-70E740481C1C}">
+                <a14:useLocalDpi xmlns:a14="http://schemas.microsoft.com/office/drawing/2010/main" val="0"/>
+              </a:ext>
+            </a:extLst>
+          </a:blip>
+          <a:stretch>
+            <a:fillRect/>
+          </a:stretch>
+        </p:blipFill>
+        <p:spPr>
+          <a:xfrm>
+            <a:off x="11177265" y="5810491"/>
+            <a:ext cx="515181" cy="515181"/>
+          </a:xfrm>
+          <a:prstGeom prst="rect">
+            <a:avLst/>
+          </a:prstGeom>
+        </p:spPr>
+      </p:pic>
+      <p:pic>
+        <p:nvPicPr>
+          <p:cNvPr id="8" name="Picture 7">
+            <a:extLst>
+              <a:ext uri="{FF2B5EF4-FFF2-40B4-BE49-F238E27FC236}">
+                <a16:creationId xmlns:a16="http://schemas.microsoft.com/office/drawing/2014/main" id="{909B42B1-087F-4F6C-A78D-65B03988C65F}"/>
+              </a:ext>
+            </a:extLst>
+          </p:cNvPr>
+          <p:cNvPicPr>
+            <a:picLocks noChangeAspect="1"/>
+          </p:cNvPicPr>
+          <p:nvPr/>
+        </p:nvPicPr>
+        <p:blipFill>
+          <a:blip r:embed="rId3">
+            <a:extLst>
+              <a:ext uri="{28A0092B-C50C-407E-A947-70E740481C1C}">
+                <a14:useLocalDpi xmlns:a14="http://schemas.microsoft.com/office/drawing/2010/main" val="0"/>
+              </a:ext>
+            </a:extLst>
+          </a:blip>
+          <a:stretch>
+            <a:fillRect/>
+          </a:stretch>
+        </p:blipFill>
+        <p:spPr>
+          <a:xfrm>
+            <a:off x="2032041" y="585496"/>
+            <a:ext cx="8086884" cy="1954503"/>
+          </a:xfrm>
+          <a:prstGeom prst="rect">
+            <a:avLst/>
+          </a:prstGeom>
+        </p:spPr>
+      </p:pic>
+      <p:pic>
+        <p:nvPicPr>
+          <p:cNvPr id="7" name="Picture 6" descr="COZYROC">
+            <a:hlinkClick r:id="rId4" tgtFrame="&quot;_blank&quot;"/>
+            <a:extLst>
+              <a:ext uri="{FF2B5EF4-FFF2-40B4-BE49-F238E27FC236}">
+                <a16:creationId xmlns:a16="http://schemas.microsoft.com/office/drawing/2014/main" id="{B491B621-B33B-41D9-872D-7A8EA75F2C0D}"/>
+              </a:ext>
+            </a:extLst>
+          </p:cNvPr>
+          <p:cNvPicPr/>
+          <p:nvPr/>
+        </p:nvPicPr>
+        <p:blipFill>
+          <a:blip r:embed="rId5">
+            <a:extLst>
+              <a:ext uri="{28A0092B-C50C-407E-A947-70E740481C1C}">
+                <a14:useLocalDpi xmlns:a14="http://schemas.microsoft.com/office/drawing/2010/main" val="0"/>
+              </a:ext>
+            </a:extLst>
+          </a:blip>
+          <a:srcRect/>
+          <a:stretch>
+            <a:fillRect/>
+          </a:stretch>
+        </p:blipFill>
+        <p:spPr bwMode="auto">
+          <a:xfrm>
+            <a:off x="3180305" y="3681613"/>
+            <a:ext cx="4614397" cy="1046504"/>
+          </a:xfrm>
+          <a:prstGeom prst="rect">
+            <a:avLst/>
+          </a:prstGeom>
+          <a:noFill/>
+          <a:ln>
+            <a:noFill/>
+          </a:ln>
+        </p:spPr>
+      </p:pic>
+      <p:pic>
+        <p:nvPicPr>
+          <p:cNvPr id="9" name="Picture 8">
+            <a:hlinkClick r:id="rId6"/>
+            <a:extLst>
+              <a:ext uri="{FF2B5EF4-FFF2-40B4-BE49-F238E27FC236}">
+                <a16:creationId xmlns:a16="http://schemas.microsoft.com/office/drawing/2014/main" id="{82732506-0E33-4D70-8DD1-E26899D14100}"/>
+              </a:ext>
+            </a:extLst>
+          </p:cNvPr>
+          <p:cNvPicPr/>
+          <p:nvPr/>
+        </p:nvPicPr>
+        <p:blipFill>
+          <a:blip r:embed="rId7" cstate="print">
+            <a:extLst>
+              <a:ext uri="{28A0092B-C50C-407E-A947-70E740481C1C}">
+                <a14:useLocalDpi xmlns:a14="http://schemas.microsoft.com/office/drawing/2010/main" val="0"/>
+              </a:ext>
+            </a:extLst>
+          </a:blip>
+          <a:srcRect/>
+          <a:stretch>
+            <a:fillRect/>
+          </a:stretch>
+        </p:blipFill>
+        <p:spPr bwMode="auto">
+          <a:xfrm>
+            <a:off x="407386" y="5880330"/>
+            <a:ext cx="875763" cy="515180"/>
+          </a:xfrm>
+          <a:prstGeom prst="rect">
+            <a:avLst/>
+          </a:prstGeom>
+          <a:noFill/>
+          <a:ln>
+            <a:noFill/>
+          </a:ln>
+        </p:spPr>
+      </p:pic>
+    </p:spTree>
+    <p:extLst>
+      <p:ext uri="{BB962C8B-B14F-4D97-AF65-F5344CB8AC3E}">
+        <p14:creationId xmlns:p14="http://schemas.microsoft.com/office/powerpoint/2010/main" val="2169835917"/>
+      </p:ext>
+    </p:extLst>
+  </p:cSld>
+  <p:clrMapOvr>
+    <a:masterClrMapping/>
+  </p:clrMapOvr>
+</p:sld>
+</file>
+
+<file path=ppt/slides/slide4.xml><?xml version="1.0" encoding="utf-8"?>
+<p:sld xmlns:a="http://schemas.openxmlformats.org/drawingml/2006/main" xmlns:r="http://schemas.openxmlformats.org/officeDocument/2006/relationships" xmlns:p="http://schemas.openxmlformats.org/presentationml/2006/main">
+  <p:cSld>
+    <p:spTree>
+      <p:nvGrpSpPr>
+        <p:cNvPr id="1" name=""/>
+        <p:cNvGrpSpPr/>
+        <p:nvPr/>
+      </p:nvGrpSpPr>
+      <p:grpSpPr>
+        <a:xfrm>
+          <a:off x="0" y="0"/>
+          <a:ext cx="0" cy="0"/>
+          <a:chOff x="0" y="0"/>
+          <a:chExt cx="0" cy="0"/>
+        </a:xfrm>
+      </p:grpSpPr>
+      <p:sp>
+        <p:nvSpPr>
+          <p:cNvPr id="2" name="Title 1">
+            <a:extLst>
+              <a:ext uri="{FF2B5EF4-FFF2-40B4-BE49-F238E27FC236}">
+                <a16:creationId xmlns:a16="http://schemas.microsoft.com/office/drawing/2014/main" id="{78F1AFF1-E712-4BE6-BACD-F04043307929}"/>
+              </a:ext>
+            </a:extLst>
+          </p:cNvPr>
+          <p:cNvSpPr>
+            <a:spLocks noGrp="1"/>
+          </p:cNvSpPr>
+          <p:nvPr>
+            <p:ph type="title"/>
+          </p:nvPr>
+        </p:nvSpPr>
+        <p:spPr/>
+        <p:txBody>
+          <a:bodyPr/>
+          <a:lstStyle/>
+          <a:p>
+            <a:endParaRPr lang="en-US"/>
+          </a:p>
+        </p:txBody>
+      </p:sp>
+      <p:sp>
+        <p:nvSpPr>
+          <p:cNvPr id="3" name="Content Placeholder 2">
+            <a:extLst>
+              <a:ext uri="{FF2B5EF4-FFF2-40B4-BE49-F238E27FC236}">
+                <a16:creationId xmlns:a16="http://schemas.microsoft.com/office/drawing/2014/main" id="{6D790986-DAFE-4832-BFD8-9CB93FD9FB30}"/>
+              </a:ext>
+            </a:extLst>
+          </p:cNvPr>
+          <p:cNvSpPr>
+            <a:spLocks noGrp="1"/>
+          </p:cNvSpPr>
+          <p:nvPr>
+            <p:ph idx="1"/>
+          </p:nvPr>
+        </p:nvSpPr>
+        <p:spPr/>
+        <p:txBody>
+          <a:bodyPr/>
+          <a:lstStyle/>
+          <a:p>
+            <a:endParaRPr lang="en-US"/>
+          </a:p>
+        </p:txBody>
+      </p:sp>
+    </p:spTree>
+    <p:extLst>
+      <p:ext uri="{BB962C8B-B14F-4D97-AF65-F5344CB8AC3E}">
+        <p14:creationId xmlns:p14="http://schemas.microsoft.com/office/powerpoint/2010/main" val="1686816998"/>
+      </p:ext>
+    </p:extLst>
+  </p:cSld>
+  <p:clrMapOvr>
+    <a:masterClrMapping/>
+  </p:clrMapOvr>
+</p:sld>
+</file>
+
+<file path=ppt/slides/slide5.xml><?xml version="1.0" encoding="utf-8"?>
+<p:sld xmlns:a="http://schemas.openxmlformats.org/drawingml/2006/main" xmlns:r="http://schemas.openxmlformats.org/officeDocument/2006/relationships" xmlns:p="http://schemas.openxmlformats.org/presentationml/2006/main">
+  <p:cSld>
+    <p:spTree>
+      <p:nvGrpSpPr>
+        <p:cNvPr id="1" name=""/>
+        <p:cNvGrpSpPr/>
+        <p:nvPr/>
+      </p:nvGrpSpPr>
+      <p:grpSpPr>
+        <a:xfrm>
+          <a:off x="0" y="0"/>
+          <a:ext cx="0" cy="0"/>
+          <a:chOff x="0" y="0"/>
+          <a:chExt cx="0" cy="0"/>
+        </a:xfrm>
+      </p:grpSpPr>
+      <p:sp>
+        <p:nvSpPr>
+          <p:cNvPr id="2" name="Title 1">
+            <a:extLst>
+              <a:ext uri="{FF2B5EF4-FFF2-40B4-BE49-F238E27FC236}">
+                <a16:creationId xmlns:a16="http://schemas.microsoft.com/office/drawing/2014/main" id="{245729F6-D8D5-4F44-975B-84D71A96C5DC}"/>
+              </a:ext>
+            </a:extLst>
+          </p:cNvPr>
+          <p:cNvSpPr>
+            <a:spLocks noGrp="1"/>
+          </p:cNvSpPr>
+          <p:nvPr>
+            <p:ph type="title"/>
+          </p:nvPr>
+        </p:nvSpPr>
+        <p:spPr/>
+        <p:txBody>
+          <a:bodyPr/>
+          <a:lstStyle/>
+          <a:p>
+            <a:r>
+              <a:rPr lang="en-US" dirty="0" err="1"/>
+              <a:t>github</a:t>
+            </a:r>
+            <a:endParaRPr lang="en-US" dirty="0"/>
+          </a:p>
+        </p:txBody>
+      </p:sp>
+      <p:sp>
+        <p:nvSpPr>
+          <p:cNvPr id="3" name="Content Placeholder 2">
+            <a:extLst>
+              <a:ext uri="{FF2B5EF4-FFF2-40B4-BE49-F238E27FC236}">
+                <a16:creationId xmlns:a16="http://schemas.microsoft.com/office/drawing/2014/main" id="{F989E717-4480-4367-8120-C4D46EABB24A}"/>
+              </a:ext>
+            </a:extLst>
+          </p:cNvPr>
+          <p:cNvSpPr>
+            <a:spLocks noGrp="1"/>
+          </p:cNvSpPr>
+          <p:nvPr>
+            <p:ph idx="1"/>
+          </p:nvPr>
+        </p:nvSpPr>
+        <p:spPr>
+          <a:xfrm>
+            <a:off x="913795" y="1732449"/>
+            <a:ext cx="10353762" cy="1525101"/>
+          </a:xfrm>
+        </p:spPr>
+        <p:txBody>
+          <a:bodyPr>
+            <a:normAutofit/>
+          </a:bodyPr>
+          <a:lstStyle/>
+          <a:p>
+            <a:r>
+              <a:rPr lang="en-US" sz="4000" dirty="0">
+                <a:hlinkClick r:id="rId2"/>
+              </a:rPr>
+              <a:t>https://github.com/curtisdarst/rcc2019/</a:t>
+            </a:r>
+            <a:endParaRPr lang="en-US" sz="4000" dirty="0"/>
+          </a:p>
+          <a:p>
+            <a:r>
+              <a:rPr lang="en-US" sz="4000" dirty="0"/>
+              <a:t>Secret key: rcc2019</a:t>
+            </a:r>
+          </a:p>
+        </p:txBody>
+      </p:sp>
+    </p:spTree>
+    <p:extLst>
+      <p:ext uri="{BB962C8B-B14F-4D97-AF65-F5344CB8AC3E}">
+        <p14:creationId xmlns:p14="http://schemas.microsoft.com/office/powerpoint/2010/main" val="757267813"/>
+      </p:ext>
+    </p:extLst>
+  </p:cSld>
+  <p:clrMapOvr>
+    <a:masterClrMapping/>
+  </p:clrMapOvr>
+</p:sld>
+</file>
+
+<file path=ppt/slides/slide6.xml><?xml version="1.0" encoding="utf-8"?>
+<p:sld xmlns:a="http://schemas.openxmlformats.org/drawingml/2006/main" xmlns:r="http://schemas.openxmlformats.org/officeDocument/2006/relationships" xmlns:p="http://schemas.openxmlformats.org/presentationml/2006/main">
+  <p:cSld>
+    <p:spTree>
+      <p:nvGrpSpPr>
+        <p:cNvPr id="1" name=""/>
+        <p:cNvGrpSpPr/>
+        <p:nvPr/>
+      </p:nvGrpSpPr>
+      <p:grpSpPr>
+        <a:xfrm>
+          <a:off x="0" y="0"/>
+          <a:ext cx="0" cy="0"/>
+          <a:chOff x="0" y="0"/>
+          <a:chExt cx="0" cy="0"/>
+        </a:xfrm>
+      </p:grpSpPr>
+    </p:spTree>
+    <p:extLst>
+      <p:ext uri="{BB962C8B-B14F-4D97-AF65-F5344CB8AC3E}">
+        <p14:creationId xmlns:p14="http://schemas.microsoft.com/office/powerpoint/2010/main" val="1033334152"/>
+      </p:ext>
+    </p:extLst>
+  </p:cSld>
+  <p:clrMapOvr>
+    <a:masterClrMapping/>
+  </p:clrMapOvr>
+</p:sld>
+</file>
+
+<file path=ppt/slides/slide7.xml><?xml version="1.0" encoding="utf-8"?>
+<p:sld xmlns:a="http://schemas.openxmlformats.org/drawingml/2006/main" xmlns:r="http://schemas.openxmlformats.org/officeDocument/2006/relationships" xmlns:p="http://schemas.openxmlformats.org/presentationml/2006/main">
+  <p:cSld>
+    <p:bg>
+      <p:bgPr>
+        <a:solidFill>
+          <a:srgbClr val="232F3D"/>
+        </a:solidFill>
+        <a:effectLst/>
+      </p:bgPr>
+    </p:bg>
+    <p:spTree>
+      <p:nvGrpSpPr>
+        <p:cNvPr id="1" name=""/>
+        <p:cNvGrpSpPr/>
+        <p:nvPr/>
+      </p:nvGrpSpPr>
+      <p:grpSpPr>
+        <a:xfrm>
+          <a:off x="0" y="0"/>
+          <a:ext cx="0" cy="0"/>
+          <a:chOff x="0" y="0"/>
+          <a:chExt cx="0" cy="0"/>
+        </a:xfrm>
+      </p:grpSpPr>
+      <p:pic>
+        <p:nvPicPr>
+          <p:cNvPr id="5" name="Picture 4">
+            <a:extLst>
+              <a:ext uri="{FF2B5EF4-FFF2-40B4-BE49-F238E27FC236}">
+                <a16:creationId xmlns:a16="http://schemas.microsoft.com/office/drawing/2014/main" id="{99AED56C-6B60-4758-9518-42950272AC11}"/>
+              </a:ext>
+            </a:extLst>
+          </p:cNvPr>
+          <p:cNvPicPr>
+            <a:picLocks noChangeAspect="1"/>
+          </p:cNvPicPr>
+          <p:nvPr/>
+        </p:nvPicPr>
+        <p:blipFill rotWithShape="1">
+          <a:blip r:embed="rId3"/>
+          <a:srcRect b="12003"/>
+          <a:stretch/>
+        </p:blipFill>
+        <p:spPr>
+          <a:xfrm>
+            <a:off x="1524020" y="10"/>
+            <a:ext cx="9143980" cy="4666928"/>
+          </a:xfrm>
+          <a:prstGeom prst="rect">
+            <a:avLst/>
+          </a:prstGeom>
+        </p:spPr>
+      </p:pic>
+      <p:pic>
+        <p:nvPicPr>
+          <p:cNvPr id="10" name="Picture 9">
+            <a:extLst>
+              <a:ext uri="{FF2B5EF4-FFF2-40B4-BE49-F238E27FC236}">
+                <a16:creationId xmlns:a16="http://schemas.microsoft.com/office/drawing/2014/main" id="{EE09A529-E47C-4634-BB98-0A9526C372B4}"/>
+              </a:ext>
+              <a:ext uri="{C183D7F6-B498-43B3-948B-1728B52AA6E4}">
+                <adec:decorative xmlns:adec="http://schemas.microsoft.com/office/drawing/2017/decorative" val="1"/>
+              </a:ext>
+            </a:extLst>
+          </p:cNvPr>
+          <p:cNvPicPr>
+            <a:picLocks noGrp="1" noRot="1" noChangeAspect="1" noMove="1" noResize="1" noEditPoints="1" noAdjustHandles="1" noChangeArrowheads="1" noChangeShapeType="1" noCrop="1"/>
+          </p:cNvPicPr>
+          <p:nvPr>
+            <p:extLst>
+              <p:ext uri="{386F3935-93C4-4BCD-93E2-E3B085C9AB24}">
+                <p16:designElem xmlns:p16="http://schemas.microsoft.com/office/powerpoint/2015/main" val="1"/>
+              </p:ext>
+            </p:extLst>
+          </p:nvPr>
+        </p:nvPicPr>
+        <p:blipFill>
+          <a:blip r:embed="rId4">
+            <a:extLst>
+              <a:ext uri="{28A0092B-C50C-407E-A947-70E740481C1C}">
+                <a14:useLocalDpi xmlns:a14="http://schemas.microsoft.com/office/drawing/2010/main" val="0"/>
+              </a:ext>
+            </a:extLst>
+          </a:blip>
+          <a:stretch>
+            <a:fillRect/>
+          </a:stretch>
+        </p:blipFill>
+        <p:spPr>
+          <a:xfrm>
+            <a:off x="1524000" y="0"/>
+            <a:ext cx="9144000" cy="6858000"/>
+          </a:xfrm>
+          <a:prstGeom prst="rect">
+            <a:avLst/>
+          </a:prstGeom>
+        </p:spPr>
+      </p:pic>
+      <p:sp>
+        <p:nvSpPr>
+          <p:cNvPr id="12" name="Oval 11">
+            <a:extLst>
+              <a:ext uri="{FF2B5EF4-FFF2-40B4-BE49-F238E27FC236}">
+                <a16:creationId xmlns:a16="http://schemas.microsoft.com/office/drawing/2014/main" id="{569C1A01-6FB5-43CE-ADCC-936728ACAC0D}"/>
+              </a:ext>
+              <a:ext uri="{C183D7F6-B498-43B3-948B-1728B52AA6E4}">
+                <adec:decorative xmlns:adec="http://schemas.microsoft.com/office/drawing/2017/decorative" val="1"/>
+              </a:ext>
+            </a:extLst>
+          </p:cNvPr>
+          <p:cNvSpPr>
+            <a:spLocks noGrp="1" noRot="1" noChangeAspect="1" noMove="1" noResize="1" noEditPoints="1" noAdjustHandles="1" noChangeArrowheads="1" noChangeShapeType="1" noTextEdit="1"/>
+          </p:cNvSpPr>
+          <p:nvPr>
+            <p:extLst>
+              <p:ext uri="{386F3935-93C4-4BCD-93E2-E3B085C9AB24}">
+                <p16:designElem xmlns:p16="http://schemas.microsoft.com/office/powerpoint/2015/main" val="1"/>
+              </p:ext>
+            </p:extLst>
+          </p:nvPr>
+        </p:nvSpPr>
+        <p:spPr>
+          <a:xfrm>
+            <a:off x="2616201" y="4388303"/>
+            <a:ext cx="618067" cy="702986"/>
+          </a:xfrm>
+          <a:prstGeom prst="ellipse">
+            <a:avLst/>
+          </a:prstGeom>
+          <a:solidFill>
+            <a:srgbClr val="FFFFFF"/>
+          </a:solidFill>
+          <a:ln>
+            <a:noFill/>
+          </a:ln>
+        </p:spPr>
+        <p:style>
+          <a:lnRef idx="2">
+            <a:schemeClr val="accent1">
+              <a:shade val="50000"/>
+            </a:schemeClr>
+          </a:lnRef>
+          <a:fillRef idx="1">
+            <a:schemeClr val="accent1"/>
+          </a:fillRef>
+          <a:effectRef idx="0">
+            <a:schemeClr val="accent1"/>
+          </a:effectRef>
+          <a:fontRef idx="minor">
+            <a:schemeClr val="lt1"/>
+          </a:fontRef>
+        </p:style>
+        <p:txBody>
+          <a:bodyPr rtlCol="0" anchor="ctr"/>
+          <a:lstStyle/>
+          <a:p>
+            <a:pPr algn="ctr" defTabSz="914400"/>
+            <a:endParaRPr lang="en-US">
+              <a:solidFill>
+                <a:srgbClr val="FAFAFA"/>
+              </a:solidFill>
+              <a:latin typeface="Arial" panose="020B0604020202020204"/>
+            </a:endParaRPr>
+          </a:p>
+        </p:txBody>
+      </p:sp>
+      <p:sp>
+        <p:nvSpPr>
+          <p:cNvPr id="2" name="Title 1"/>
+          <p:cNvSpPr>
+            <a:spLocks noGrp="1"/>
+          </p:cNvSpPr>
+          <p:nvPr>
+            <p:ph type="title"/>
+          </p:nvPr>
+        </p:nvSpPr>
+        <p:spPr>
+          <a:xfrm>
+            <a:off x="2127749" y="4551038"/>
+            <a:ext cx="3766337" cy="1509931"/>
+          </a:xfrm>
+        </p:spPr>
+        <p:txBody>
+          <a:bodyPr>
+            <a:normAutofit/>
+          </a:bodyPr>
+          <a:lstStyle/>
+          <a:p>
+            <a:r>
+              <a:rPr lang="en-US" sz="3200" dirty="0">
+                <a:solidFill>
+                  <a:srgbClr val="000000"/>
+                </a:solidFill>
+              </a:rPr>
+              <a:t>Your App Global</a:t>
+            </a:r>
+          </a:p>
+        </p:txBody>
+      </p:sp>
+      <p:sp>
+        <p:nvSpPr>
+          <p:cNvPr id="3" name="Content Placeholder 2"/>
+          <p:cNvSpPr>
+            <a:spLocks noGrp="1"/>
+          </p:cNvSpPr>
+          <p:nvPr>
+            <p:ph idx="1"/>
+          </p:nvPr>
+        </p:nvSpPr>
+        <p:spPr>
+          <a:xfrm>
+            <a:off x="6019801" y="4191001"/>
+            <a:ext cx="4495799" cy="2666999"/>
+          </a:xfrm>
+        </p:spPr>
+        <p:txBody>
+          <a:bodyPr anchor="ctr">
+            <a:normAutofit/>
+          </a:bodyPr>
+          <a:lstStyle/>
+          <a:p>
+            <a:r>
+              <a:rPr lang="en-US" sz="1600" dirty="0">
+                <a:solidFill>
+                  <a:srgbClr val="000000"/>
+                </a:solidFill>
+              </a:rPr>
+              <a:t>CloudFront (CDN)</a:t>
+            </a:r>
+          </a:p>
+          <a:p>
+            <a:r>
+              <a:rPr lang="en-US" sz="1600" dirty="0">
+                <a:solidFill>
+                  <a:srgbClr val="000000"/>
+                </a:solidFill>
+              </a:rPr>
+              <a:t>Lambda (Compute)</a:t>
+            </a:r>
+          </a:p>
+          <a:p>
+            <a:r>
+              <a:rPr lang="en-US" sz="1600" dirty="0">
+                <a:solidFill>
+                  <a:srgbClr val="000000"/>
+                </a:solidFill>
+              </a:rPr>
+              <a:t>RDS (Database)</a:t>
+            </a:r>
+          </a:p>
+          <a:p>
+            <a:r>
+              <a:rPr lang="en-US" sz="1600" dirty="0">
+                <a:solidFill>
+                  <a:srgbClr val="000000"/>
+                </a:solidFill>
+              </a:rPr>
+              <a:t>Route53(DNS)</a:t>
+            </a:r>
+          </a:p>
+        </p:txBody>
+      </p:sp>
+      <p:pic>
+        <p:nvPicPr>
+          <p:cNvPr id="4" name="Picture 3">
+            <a:extLst>
+              <a:ext uri="{FF2B5EF4-FFF2-40B4-BE49-F238E27FC236}">
+                <a16:creationId xmlns:a16="http://schemas.microsoft.com/office/drawing/2014/main" id="{45D303BC-C0FC-4244-B6BF-66DF4829BEDF}"/>
+              </a:ext>
+            </a:extLst>
+          </p:cNvPr>
+          <p:cNvPicPr>
+            <a:picLocks noChangeAspect="1"/>
+          </p:cNvPicPr>
+          <p:nvPr/>
+        </p:nvPicPr>
+        <p:blipFill>
+          <a:blip r:embed="rId5"/>
+          <a:stretch>
+            <a:fillRect/>
+          </a:stretch>
+        </p:blipFill>
+        <p:spPr>
+          <a:xfrm>
+            <a:off x="8991376" y="3027794"/>
+            <a:ext cx="1676605" cy="416447"/>
+          </a:xfrm>
+          <a:prstGeom prst="rect">
+            <a:avLst/>
+          </a:prstGeom>
+        </p:spPr>
+      </p:pic>
+    </p:spTree>
+    <p:extLst>
+      <p:ext uri="{BB962C8B-B14F-4D97-AF65-F5344CB8AC3E}">
+        <p14:creationId xmlns:p14="http://schemas.microsoft.com/office/powerpoint/2010/main" val="3107571717"/>
+      </p:ext>
+    </p:extLst>
+  </p:cSld>
+  <p:clrMapOvr>
+    <a:masterClrMapping/>
+  </p:clrMapOvr>
+</p:sld>
+</file>
+
+<file path=ppt/slides/slide8.xml><?xml version="1.0" encoding="utf-8"?>
+<p:sld xmlns:a="http://schemas.openxmlformats.org/drawingml/2006/main" xmlns:r="http://schemas.openxmlformats.org/officeDocument/2006/relationships" xmlns:p="http://schemas.openxmlformats.org/presentationml/2006/main">
+  <p:cSld>
+    <p:spTree>
+      <p:nvGrpSpPr>
+        <p:cNvPr id="1" name=""/>
+        <p:cNvGrpSpPr/>
+        <p:nvPr/>
+      </p:nvGrpSpPr>
+      <p:grpSpPr>
+        <a:xfrm>
+          <a:off x="0" y="0"/>
+          <a:ext cx="0" cy="0"/>
+          <a:chOff x="0" y="0"/>
+          <a:chExt cx="0" cy="0"/>
+        </a:xfrm>
+      </p:grpSpPr>
+      <p:sp>
+        <p:nvSpPr>
+          <p:cNvPr id="3" name="Slide Number Placeholder 2">
+            <a:extLst>
+              <a:ext uri="{FF2B5EF4-FFF2-40B4-BE49-F238E27FC236}">
+                <a16:creationId xmlns:a16="http://schemas.microsoft.com/office/drawing/2014/main" id="{36A6FC4C-2F74-4EC2-BF29-794D4F6CC25D}"/>
+              </a:ext>
+            </a:extLst>
+          </p:cNvPr>
+          <p:cNvSpPr>
+            <a:spLocks noGrp="1"/>
+          </p:cNvSpPr>
+          <p:nvPr>
+            <p:ph type="sldNum" sz="quarter" idx="4"/>
+          </p:nvPr>
+        </p:nvSpPr>
+        <p:spPr/>
+        <p:txBody>
+          <a:bodyPr/>
+          <a:lstStyle/>
+          <a:p>
+            <a:fld id="{0E0E0192-C642-4D4F-AE82-A0D0DC02E26B}" type="slidenum">
+              <a:rPr lang="en-US" smtClean="0"/>
+              <a:t>8</a:t>
+            </a:fld>
+            <a:endParaRPr lang="en-US" dirty="0"/>
+          </a:p>
+        </p:txBody>
+      </p:sp>
+    </p:spTree>
+    <p:extLst>
+      <p:ext uri="{BB962C8B-B14F-4D97-AF65-F5344CB8AC3E}">
+        <p14:creationId xmlns:p14="http://schemas.microsoft.com/office/powerpoint/2010/main" val="637402801"/>
+      </p:ext>
+    </p:extLst>
+  </p:cSld>
+  <p:clrMapOvr>
+    <a:masterClrMapping/>
+  </p:clrMapOvr>
+</p:sld>
+</file>
+
+<file path=ppt/slides/slide9.xml><?xml version="1.0" encoding="utf-8"?>
+<p:sld xmlns:a="http://schemas.openxmlformats.org/drawingml/2006/main" xmlns:r="http://schemas.openxmlformats.org/officeDocument/2006/relationships" xmlns:p="http://schemas.openxmlformats.org/presentationml/2006/main">
+  <p:cSld>
+    <p:spTree>
+      <p:nvGrpSpPr>
+        <p:cNvPr id="1" name=""/>
+        <p:cNvGrpSpPr/>
+        <p:nvPr/>
+      </p:nvGrpSpPr>
+      <p:grpSpPr>
+        <a:xfrm>
+          <a:off x="0" y="0"/>
+          <a:ext cx="0" cy="0"/>
+          <a:chOff x="0" y="0"/>
+          <a:chExt cx="0" cy="0"/>
+        </a:xfrm>
+      </p:grpSpPr>
+      <p:sp>
+        <p:nvSpPr>
+          <p:cNvPr id="2" name="Title 1">
+            <a:extLst>
+              <a:ext uri="{FF2B5EF4-FFF2-40B4-BE49-F238E27FC236}">
+                <a16:creationId xmlns:a16="http://schemas.microsoft.com/office/drawing/2014/main" id="{4BE66539-B4FC-45D4-BA28-6A17E2648E3E}"/>
+              </a:ext>
+            </a:extLst>
+          </p:cNvPr>
+          <p:cNvSpPr>
+            <a:spLocks noGrp="1"/>
+          </p:cNvSpPr>
+          <p:nvPr>
+            <p:ph type="title"/>
+          </p:nvPr>
+        </p:nvSpPr>
+        <p:spPr>
+          <a:xfrm>
+            <a:off x="994477" y="0"/>
+            <a:ext cx="10353762" cy="609601"/>
+          </a:xfrm>
+        </p:spPr>
+        <p:txBody>
+          <a:bodyPr>
+            <a:normAutofit/>
+          </a:bodyPr>
+          <a:lstStyle/>
+          <a:p>
+            <a:r>
+              <a:rPr lang="en-US" sz="2000" dirty="0"/>
+              <a:t>AWS - Amazon Web Services </a:t>
+            </a:r>
+          </a:p>
+        </p:txBody>
+      </p:sp>
+      <p:sp>
+        <p:nvSpPr>
+          <p:cNvPr id="3" name="Content Placeholder 2">
+            <a:extLst>
+              <a:ext uri="{FF2B5EF4-FFF2-40B4-BE49-F238E27FC236}">
+                <a16:creationId xmlns:a16="http://schemas.microsoft.com/office/drawing/2014/main" id="{8E31EDA5-790E-435C-AD54-0650F3FF85EE}"/>
+              </a:ext>
+            </a:extLst>
+          </p:cNvPr>
+          <p:cNvSpPr>
+            <a:spLocks noGrp="1"/>
+          </p:cNvSpPr>
+          <p:nvPr>
+            <p:ph idx="1"/>
+          </p:nvPr>
+        </p:nvSpPr>
+        <p:spPr>
+          <a:xfrm>
+            <a:off x="1182694" y="824753"/>
+            <a:ext cx="8946541" cy="4195481"/>
+          </a:xfrm>
+        </p:spPr>
+        <p:txBody>
+          <a:bodyPr/>
+          <a:lstStyle/>
+          <a:p>
+            <a:r>
+              <a:rPr lang="en-US" dirty="0"/>
+              <a:t>12 months of free resource (new accounts)</a:t>
+            </a:r>
+          </a:p>
+          <a:p>
+            <a:r>
+              <a:rPr lang="en-US" dirty="0"/>
+              <a:t>Some services have a permanent free tier</a:t>
+            </a:r>
+          </a:p>
+        </p:txBody>
+      </p:sp>
+      <p:pic>
+        <p:nvPicPr>
+          <p:cNvPr id="5" name="Picture 4">
+            <a:extLst>
+              <a:ext uri="{FF2B5EF4-FFF2-40B4-BE49-F238E27FC236}">
+                <a16:creationId xmlns:a16="http://schemas.microsoft.com/office/drawing/2014/main" id="{4E6C6291-1D06-46F4-AE5E-91C06656DCE7}"/>
+              </a:ext>
+            </a:extLst>
+          </p:cNvPr>
+          <p:cNvPicPr>
+            <a:picLocks noChangeAspect="1"/>
+          </p:cNvPicPr>
+          <p:nvPr/>
+        </p:nvPicPr>
+        <p:blipFill>
+          <a:blip r:embed="rId2"/>
+          <a:stretch>
+            <a:fillRect/>
+          </a:stretch>
+        </p:blipFill>
+        <p:spPr>
+          <a:xfrm>
+            <a:off x="331008" y="1914335"/>
+            <a:ext cx="2568163" cy="3490262"/>
+          </a:xfrm>
+          <a:prstGeom prst="rect">
+            <a:avLst/>
+          </a:prstGeom>
+        </p:spPr>
+      </p:pic>
+      <p:pic>
+        <p:nvPicPr>
+          <p:cNvPr id="6" name="Picture 5">
+            <a:extLst>
+              <a:ext uri="{FF2B5EF4-FFF2-40B4-BE49-F238E27FC236}">
+                <a16:creationId xmlns:a16="http://schemas.microsoft.com/office/drawing/2014/main" id="{CD5ED391-7E6B-4EF7-8C05-99FDA80DFEA2}"/>
+              </a:ext>
+            </a:extLst>
+          </p:cNvPr>
+          <p:cNvPicPr>
+            <a:picLocks noChangeAspect="1"/>
+          </p:cNvPicPr>
+          <p:nvPr/>
+        </p:nvPicPr>
+        <p:blipFill>
+          <a:blip r:embed="rId3"/>
+          <a:stretch>
+            <a:fillRect/>
+          </a:stretch>
+        </p:blipFill>
+        <p:spPr>
+          <a:xfrm>
+            <a:off x="8696256" y="1914335"/>
+            <a:ext cx="2575783" cy="3863675"/>
+          </a:xfrm>
+          <a:prstGeom prst="rect">
+            <a:avLst/>
+          </a:prstGeom>
+        </p:spPr>
+      </p:pic>
+      <p:pic>
+        <p:nvPicPr>
+          <p:cNvPr id="7" name="Picture 6">
+            <a:extLst>
+              <a:ext uri="{FF2B5EF4-FFF2-40B4-BE49-F238E27FC236}">
+                <a16:creationId xmlns:a16="http://schemas.microsoft.com/office/drawing/2014/main" id="{73B84ED1-1A15-4291-8300-1C28366E5F1C}"/>
+              </a:ext>
+            </a:extLst>
+          </p:cNvPr>
+          <p:cNvPicPr>
+            <a:picLocks noChangeAspect="1"/>
+          </p:cNvPicPr>
+          <p:nvPr/>
+        </p:nvPicPr>
+        <p:blipFill>
+          <a:blip r:embed="rId4"/>
+          <a:stretch>
+            <a:fillRect/>
+          </a:stretch>
+        </p:blipFill>
+        <p:spPr>
+          <a:xfrm>
+            <a:off x="3043669" y="1914335"/>
+            <a:ext cx="2560542" cy="3505504"/>
+          </a:xfrm>
+          <a:prstGeom prst="rect">
+            <a:avLst/>
+          </a:prstGeom>
+        </p:spPr>
+      </p:pic>
+      <p:pic>
+        <p:nvPicPr>
+          <p:cNvPr id="8" name="Picture 7">
+            <a:extLst>
+              <a:ext uri="{FF2B5EF4-FFF2-40B4-BE49-F238E27FC236}">
+                <a16:creationId xmlns:a16="http://schemas.microsoft.com/office/drawing/2014/main" id="{3BA48333-2BBD-4932-85D5-C1F149E0208E}"/>
+              </a:ext>
+            </a:extLst>
+          </p:cNvPr>
+          <p:cNvPicPr>
+            <a:picLocks noChangeAspect="1"/>
+          </p:cNvPicPr>
+          <p:nvPr/>
+        </p:nvPicPr>
+        <p:blipFill>
+          <a:blip r:embed="rId5"/>
+          <a:stretch>
+            <a:fillRect/>
+          </a:stretch>
+        </p:blipFill>
+        <p:spPr>
+          <a:xfrm>
+            <a:off x="5915683" y="1914335"/>
+            <a:ext cx="2545301" cy="4252328"/>
+          </a:xfrm>
+          <a:prstGeom prst="rect">
+            <a:avLst/>
+          </a:prstGeom>
+        </p:spPr>
+      </p:pic>
+    </p:spTree>
+    <p:extLst>
+      <p:ext uri="{BB962C8B-B14F-4D97-AF65-F5344CB8AC3E}">
+        <p14:creationId xmlns:p14="http://schemas.microsoft.com/office/powerpoint/2010/main" val="1497710981"/>
       </p:ext>
     </p:extLst>
   </p:cSld>
